--- a/L06_IntroductionToWebMappingWIthLeaflet.pptx
+++ b/L06_IntroductionToWebMappingWIthLeaflet.pptx
@@ -2,7 +2,7 @@
 <file path=ppt/presentation.xml><?xml version="1.0" encoding="utf-8"?>
 <p:presentation xmlns:a="http://schemas.openxmlformats.org/drawingml/2006/main" xmlns:r="http://schemas.openxmlformats.org/officeDocument/2006/relationships" xmlns:p="http://schemas.openxmlformats.org/presentationml/2006/main" saveSubsetFonts="1" autoCompressPictures="0">
   <p:sldMasterIdLst>
-    <p:sldMasterId id="2147483734" r:id="rId1"/>
+    <p:sldMasterId id="2147483788" r:id="rId1"/>
   </p:sldMasterIdLst>
   <p:sldIdLst>
     <p:sldId id="256" r:id="rId2"/>
@@ -12,7 +12,9 @@
     <p:sldId id="260" r:id="rId6"/>
     <p:sldId id="261" r:id="rId7"/>
     <p:sldId id="262" r:id="rId8"/>
-    <p:sldId id="263" r:id="rId9"/>
+    <p:sldId id="264" r:id="rId9"/>
+    <p:sldId id="265" r:id="rId10"/>
+    <p:sldId id="263" r:id="rId11"/>
   </p:sldIdLst>
   <p:sldSz cx="12192000" cy="6858000"/>
   <p:notesSz cx="6858000" cy="9144000"/>
@@ -20,7 +22,7 @@
     <a:defPPr>
       <a:defRPr lang="en-US"/>
     </a:defPPr>
-    <a:lvl1pPr marL="0" algn="l" defTabSz="914400" rtl="0" eaLnBrk="1" latinLnBrk="0" hangingPunct="1">
+    <a:lvl1pPr marL="0" algn="l" defTabSz="457200" rtl="0" eaLnBrk="1" latinLnBrk="0" hangingPunct="1">
       <a:defRPr sz="1800" kern="1200">
         <a:solidFill>
           <a:schemeClr val="tx1"/>
@@ -30,7 +32,7 @@
         <a:cs typeface="+mn-cs"/>
       </a:defRPr>
     </a:lvl1pPr>
-    <a:lvl2pPr marL="457200" algn="l" defTabSz="914400" rtl="0" eaLnBrk="1" latinLnBrk="0" hangingPunct="1">
+    <a:lvl2pPr marL="457200" algn="l" defTabSz="457200" rtl="0" eaLnBrk="1" latinLnBrk="0" hangingPunct="1">
       <a:defRPr sz="1800" kern="1200">
         <a:solidFill>
           <a:schemeClr val="tx1"/>
@@ -40,7 +42,7 @@
         <a:cs typeface="+mn-cs"/>
       </a:defRPr>
     </a:lvl2pPr>
-    <a:lvl3pPr marL="914400" algn="l" defTabSz="914400" rtl="0" eaLnBrk="1" latinLnBrk="0" hangingPunct="1">
+    <a:lvl3pPr marL="914400" algn="l" defTabSz="457200" rtl="0" eaLnBrk="1" latinLnBrk="0" hangingPunct="1">
       <a:defRPr sz="1800" kern="1200">
         <a:solidFill>
           <a:schemeClr val="tx1"/>
@@ -50,7 +52,7 @@
         <a:cs typeface="+mn-cs"/>
       </a:defRPr>
     </a:lvl3pPr>
-    <a:lvl4pPr marL="1371600" algn="l" defTabSz="914400" rtl="0" eaLnBrk="1" latinLnBrk="0" hangingPunct="1">
+    <a:lvl4pPr marL="1371600" algn="l" defTabSz="457200" rtl="0" eaLnBrk="1" latinLnBrk="0" hangingPunct="1">
       <a:defRPr sz="1800" kern="1200">
         <a:solidFill>
           <a:schemeClr val="tx1"/>
@@ -60,7 +62,7 @@
         <a:cs typeface="+mn-cs"/>
       </a:defRPr>
     </a:lvl4pPr>
-    <a:lvl5pPr marL="1828800" algn="l" defTabSz="914400" rtl="0" eaLnBrk="1" latinLnBrk="0" hangingPunct="1">
+    <a:lvl5pPr marL="1828800" algn="l" defTabSz="457200" rtl="0" eaLnBrk="1" latinLnBrk="0" hangingPunct="1">
       <a:defRPr sz="1800" kern="1200">
         <a:solidFill>
           <a:schemeClr val="tx1"/>
@@ -70,7 +72,7 @@
         <a:cs typeface="+mn-cs"/>
       </a:defRPr>
     </a:lvl5pPr>
-    <a:lvl6pPr marL="2286000" algn="l" defTabSz="914400" rtl="0" eaLnBrk="1" latinLnBrk="0" hangingPunct="1">
+    <a:lvl6pPr marL="2286000" algn="l" defTabSz="457200" rtl="0" eaLnBrk="1" latinLnBrk="0" hangingPunct="1">
       <a:defRPr sz="1800" kern="1200">
         <a:solidFill>
           <a:schemeClr val="tx1"/>
@@ -80,7 +82,7 @@
         <a:cs typeface="+mn-cs"/>
       </a:defRPr>
     </a:lvl6pPr>
-    <a:lvl7pPr marL="2743200" algn="l" defTabSz="914400" rtl="0" eaLnBrk="1" latinLnBrk="0" hangingPunct="1">
+    <a:lvl7pPr marL="2743200" algn="l" defTabSz="457200" rtl="0" eaLnBrk="1" latinLnBrk="0" hangingPunct="1">
       <a:defRPr sz="1800" kern="1200">
         <a:solidFill>
           <a:schemeClr val="tx1"/>
@@ -90,7 +92,7 @@
         <a:cs typeface="+mn-cs"/>
       </a:defRPr>
     </a:lvl7pPr>
-    <a:lvl8pPr marL="3200400" algn="l" defTabSz="914400" rtl="0" eaLnBrk="1" latinLnBrk="0" hangingPunct="1">
+    <a:lvl8pPr marL="3200400" algn="l" defTabSz="457200" rtl="0" eaLnBrk="1" latinLnBrk="0" hangingPunct="1">
       <a:defRPr sz="1800" kern="1200">
         <a:solidFill>
           <a:schemeClr val="tx1"/>
@@ -100,7 +102,7 @@
         <a:cs typeface="+mn-cs"/>
       </a:defRPr>
     </a:lvl8pPr>
-    <a:lvl9pPr marL="3657600" algn="l" defTabSz="914400" rtl="0" eaLnBrk="1" latinLnBrk="0" hangingPunct="1">
+    <a:lvl9pPr marL="3657600" algn="l" defTabSz="457200" rtl="0" eaLnBrk="1" latinLnBrk="0" hangingPunct="1">
       <a:defRPr sz="1800" kern="1200">
         <a:solidFill>
           <a:schemeClr val="tx1"/>
@@ -111,12 +113,25 @@
       </a:defRPr>
     </a:lvl9pPr>
   </p:defaultTextStyle>
+  <p:extLst>
+    <p:ext uri="{EFAFB233-063F-42B5-8137-9DF3F51BA10A}">
+      <p15:sldGuideLst xmlns:p15="http://schemas.microsoft.com/office/powerpoint/2012/main"/>
+    </p:ext>
+  </p:extLst>
 </p:presentation>
 </file>
 
 <file path=ppt/slideLayouts/slideLayout1.xml><?xml version="1.0" encoding="utf-8"?>
 <p:sldLayout xmlns:a="http://schemas.openxmlformats.org/drawingml/2006/main" xmlns:r="http://schemas.openxmlformats.org/officeDocument/2006/relationships" xmlns:p="http://schemas.openxmlformats.org/presentationml/2006/main" type="title" preserve="1">
   <p:cSld name="Title Slide">
+    <p:bg>
+      <p:bgPr>
+        <a:solidFill>
+          <a:schemeClr val="accent1"/>
+        </a:solidFill>
+        <a:effectLst/>
+      </p:bgPr>
+    </p:bg>
     <p:spTree>
       <p:nvGrpSpPr>
         <p:cNvPr id="1" name=""/>
@@ -133,51 +148,83 @@
       </p:grpSpPr>
       <p:sp>
         <p:nvSpPr>
-          <p:cNvPr id="2" name="Title 1">
-            <a:extLst>
-              <a:ext uri="{FF2B5EF4-FFF2-40B4-BE49-F238E27FC236}">
-                <a16:creationId xmlns:a16="http://schemas.microsoft.com/office/drawing/2014/main" id="{96C58D29-2D2C-9688-FF47-2DF9D948A0BE}"/>
-              </a:ext>
-            </a:extLst>
-          </p:cNvPr>
-          <p:cNvSpPr>
-            <a:spLocks noGrp="1"/>
-          </p:cNvSpPr>
-          <p:nvPr>
-            <p:ph type="ctrTitle"/>
-          </p:nvPr>
+          <p:cNvPr id="4" name="Rectangle 3"/>
+          <p:cNvSpPr/>
+          <p:nvPr/>
         </p:nvSpPr>
         <p:spPr>
           <a:xfrm>
-            <a:off x="1524000" y="1122363"/>
-            <a:ext cx="9144000" cy="2387600"/>
+            <a:off x="0" y="0"/>
+            <a:ext cx="12192000" cy="6858000"/>
+          </a:xfrm>
+          <a:prstGeom prst="rect">
+            <a:avLst/>
+          </a:prstGeom>
+          <a:ln>
+            <a:noFill/>
+          </a:ln>
+        </p:spPr>
+        <p:style>
+          <a:lnRef idx="2">
+            <a:schemeClr val="accent1">
+              <a:shade val="50000"/>
+            </a:schemeClr>
+          </a:lnRef>
+          <a:fillRef idx="1">
+            <a:schemeClr val="accent1"/>
+          </a:fillRef>
+          <a:effectRef idx="0">
+            <a:schemeClr val="accent1"/>
+          </a:effectRef>
+          <a:fontRef idx="minor">
+            <a:schemeClr val="lt1"/>
+          </a:fontRef>
+        </p:style>
+      </p:sp>
+      <p:sp>
+        <p:nvSpPr>
+          <p:cNvPr id="2" name="Title 1"/>
+          <p:cNvSpPr>
+            <a:spLocks noGrp="1"/>
+          </p:cNvSpPr>
+          <p:nvPr>
+            <p:ph type="ctrTitle"/>
+          </p:nvPr>
+        </p:nvSpPr>
+        <p:spPr>
+          <a:xfrm>
+            <a:off x="603504" y="770467"/>
+            <a:ext cx="10782300" cy="3352800"/>
           </a:xfrm>
         </p:spPr>
         <p:txBody>
-          <a:bodyPr anchor="b"/>
+          <a:bodyPr anchor="b">
+            <a:noAutofit/>
+          </a:bodyPr>
           <a:lstStyle>
-            <a:lvl1pPr algn="ctr">
-              <a:defRPr sz="6000"/>
+            <a:lvl1pPr algn="l">
+              <a:lnSpc>
+                <a:spcPct val="80000"/>
+              </a:lnSpc>
+              <a:defRPr sz="8800" spc="-120" baseline="0">
+                <a:solidFill>
+                  <a:srgbClr val="FFFFFF"/>
+                </a:solidFill>
+              </a:defRPr>
             </a:lvl1pPr>
           </a:lstStyle>
           <a:p>
             <a:r>
-              <a:rPr lang="en-GB"/>
+              <a:rPr lang="en-US" smtClean="0"/>
               <a:t>Click to edit Master title style</a:t>
             </a:r>
-            <a:endParaRPr lang="en-US"/>
-          </a:p>
-        </p:txBody>
-      </p:sp>
-      <p:sp>
-        <p:nvSpPr>
-          <p:cNvPr id="3" name="Subtitle 2">
-            <a:extLst>
-              <a:ext uri="{FF2B5EF4-FFF2-40B4-BE49-F238E27FC236}">
-                <a16:creationId xmlns:a16="http://schemas.microsoft.com/office/drawing/2014/main" id="{BFE67839-B1AE-F250-D88A-EC8EF1811ED9}"/>
-              </a:ext>
-            </a:extLst>
-          </p:cNvPr>
+            <a:endParaRPr lang="en-US" dirty="0"/>
+          </a:p>
+        </p:txBody>
+      </p:sp>
+      <p:sp>
+        <p:nvSpPr>
+          <p:cNvPr id="3" name="Subtitle 2"/>
           <p:cNvSpPr>
             <a:spLocks noGrp="1"/>
           </p:cNvSpPr>
@@ -187,68 +234,69 @@
         </p:nvSpPr>
         <p:spPr>
           <a:xfrm>
-            <a:off x="1524000" y="3602038"/>
-            <a:ext cx="9144000" cy="1655762"/>
+            <a:off x="667512" y="4206876"/>
+            <a:ext cx="9228201" cy="1645920"/>
           </a:xfrm>
         </p:spPr>
         <p:txBody>
-          <a:bodyPr/>
+          <a:bodyPr>
+            <a:normAutofit/>
+          </a:bodyPr>
           <a:lstStyle>
-            <a:lvl1pPr marL="0" indent="0" algn="ctr">
-              <a:buNone/>
-              <a:defRPr sz="2400"/>
+            <a:lvl1pPr marL="0" indent="0" algn="l">
+              <a:buNone/>
+              <a:defRPr sz="3200">
+                <a:solidFill>
+                  <a:schemeClr val="bg1"/>
+                </a:solidFill>
+                <a:latin typeface="+mj-lt"/>
+              </a:defRPr>
             </a:lvl1pPr>
             <a:lvl2pPr marL="457200" indent="0" algn="ctr">
               <a:buNone/>
-              <a:defRPr sz="2000"/>
+              <a:defRPr sz="2800"/>
             </a:lvl2pPr>
             <a:lvl3pPr marL="914400" indent="0" algn="ctr">
               <a:buNone/>
-              <a:defRPr sz="1800"/>
+              <a:defRPr sz="2400"/>
             </a:lvl3pPr>
             <a:lvl4pPr marL="1371600" indent="0" algn="ctr">
               <a:buNone/>
-              <a:defRPr sz="1600"/>
+              <a:defRPr sz="2000"/>
             </a:lvl4pPr>
             <a:lvl5pPr marL="1828800" indent="0" algn="ctr">
               <a:buNone/>
-              <a:defRPr sz="1600"/>
+              <a:defRPr sz="2000"/>
             </a:lvl5pPr>
             <a:lvl6pPr marL="2286000" indent="0" algn="ctr">
               <a:buNone/>
-              <a:defRPr sz="1600"/>
+              <a:defRPr sz="2000"/>
             </a:lvl6pPr>
             <a:lvl7pPr marL="2743200" indent="0" algn="ctr">
               <a:buNone/>
-              <a:defRPr sz="1600"/>
+              <a:defRPr sz="2000"/>
             </a:lvl7pPr>
             <a:lvl8pPr marL="3200400" indent="0" algn="ctr">
               <a:buNone/>
-              <a:defRPr sz="1600"/>
+              <a:defRPr sz="2000"/>
             </a:lvl8pPr>
             <a:lvl9pPr marL="3657600" indent="0" algn="ctr">
               <a:buNone/>
-              <a:defRPr sz="1600"/>
+              <a:defRPr sz="2000"/>
             </a:lvl9pPr>
           </a:lstStyle>
           <a:p>
             <a:r>
-              <a:rPr lang="en-GB"/>
+              <a:rPr lang="en-US" smtClean="0"/>
               <a:t>Click to edit Master subtitle style</a:t>
             </a:r>
-            <a:endParaRPr lang="en-US"/>
-          </a:p>
-        </p:txBody>
-      </p:sp>
-      <p:sp>
-        <p:nvSpPr>
-          <p:cNvPr id="4" name="Date Placeholder 3">
-            <a:extLst>
-              <a:ext uri="{FF2B5EF4-FFF2-40B4-BE49-F238E27FC236}">
-                <a16:creationId xmlns:a16="http://schemas.microsoft.com/office/drawing/2014/main" id="{64828E0A-B1FF-0D46-A2CA-30BB85815154}"/>
-              </a:ext>
-            </a:extLst>
-          </p:cNvPr>
+            <a:endParaRPr lang="en-US" dirty="0"/>
+          </a:p>
+        </p:txBody>
+      </p:sp>
+      <p:sp>
+        <p:nvSpPr>
+          <p:cNvPr id="7" name="Date Placeholder 6"/>
           <p:cNvSpPr>
             <a:spLocks noGrp="1"/>
           </p:cNvSpPr>
@@ -259,11 +307,21 @@
         <p:spPr/>
         <p:txBody>
           <a:bodyPr/>
-          <a:lstStyle/>
+          <a:lstStyle>
+            <a:lvl1pPr>
+              <a:defRPr>
+                <a:solidFill>
+                  <a:srgbClr val="FFFFFF">
+                    <a:alpha val="80000"/>
+                  </a:srgbClr>
+                </a:solidFill>
+              </a:defRPr>
+            </a:lvl1pPr>
+          </a:lstStyle>
           <a:p>
             <a:fld id="{D4CE8C2D-4785-D04E-B999-721DAB33379E}" type="datetimeFigureOut">
               <a:rPr lang="en-US" smtClean="0"/>
-              <a:t>7/17/23</a:t>
+              <a:t>7/18/2023</a:t>
             </a:fld>
             <a:endParaRPr lang="en-US"/>
           </a:p>
@@ -271,13 +329,7 @@
       </p:sp>
       <p:sp>
         <p:nvSpPr>
-          <p:cNvPr id="5" name="Footer Placeholder 4">
-            <a:extLst>
-              <a:ext uri="{FF2B5EF4-FFF2-40B4-BE49-F238E27FC236}">
-                <a16:creationId xmlns:a16="http://schemas.microsoft.com/office/drawing/2014/main" id="{B15C7FFB-CC32-C821-49EA-CFF657368A87}"/>
-              </a:ext>
-            </a:extLst>
-          </p:cNvPr>
+          <p:cNvPr id="8" name="Footer Placeholder 7"/>
           <p:cNvSpPr>
             <a:spLocks noGrp="1"/>
           </p:cNvSpPr>
@@ -288,7 +340,17 @@
         <p:spPr/>
         <p:txBody>
           <a:bodyPr/>
-          <a:lstStyle/>
+          <a:lstStyle>
+            <a:lvl1pPr>
+              <a:defRPr>
+                <a:solidFill>
+                  <a:srgbClr val="FFFFFF">
+                    <a:alpha val="80000"/>
+                  </a:srgbClr>
+                </a:solidFill>
+              </a:defRPr>
+            </a:lvl1pPr>
+          </a:lstStyle>
           <a:p>
             <a:endParaRPr lang="en-US"/>
           </a:p>
@@ -296,13 +358,7 @@
       </p:sp>
       <p:sp>
         <p:nvSpPr>
-          <p:cNvPr id="6" name="Slide Number Placeholder 5">
-            <a:extLst>
-              <a:ext uri="{FF2B5EF4-FFF2-40B4-BE49-F238E27FC236}">
-                <a16:creationId xmlns:a16="http://schemas.microsoft.com/office/drawing/2014/main" id="{D781F327-B715-D1D9-41B6-C33EDBAF8DCC}"/>
-              </a:ext>
-            </a:extLst>
-          </p:cNvPr>
+          <p:cNvPr id="9" name="Slide Number Placeholder 8"/>
           <p:cNvSpPr>
             <a:spLocks noGrp="1"/>
           </p:cNvSpPr>
@@ -313,7 +369,17 @@
         <p:spPr/>
         <p:txBody>
           <a:bodyPr/>
-          <a:lstStyle/>
+          <a:lstStyle>
+            <a:lvl1pPr>
+              <a:defRPr>
+                <a:solidFill>
+                  <a:srgbClr val="FFFFFF">
+                    <a:alpha val="25000"/>
+                  </a:srgbClr>
+                </a:solidFill>
+              </a:defRPr>
+            </a:lvl1pPr>
+          </a:lstStyle>
           <a:p>
             <a:fld id="{3BF09D8A-6DB1-0746-A68B-BD44AD740954}" type="slidenum">
               <a:rPr lang="en-US" smtClean="0"/>
@@ -326,13 +392,20 @@
     </p:spTree>
     <p:extLst>
       <p:ext uri="{BB962C8B-B14F-4D97-AF65-F5344CB8AC3E}">
-        <p14:creationId xmlns:p14="http://schemas.microsoft.com/office/powerpoint/2010/main" val="3110193400"/>
+        <p14:creationId xmlns:p14="http://schemas.microsoft.com/office/powerpoint/2010/main" val="2757244620"/>
       </p:ext>
     </p:extLst>
   </p:cSld>
   <p:clrMapOvr>
     <a:masterClrMapping/>
   </p:clrMapOvr>
+  <p:timing>
+    <p:tnLst>
+      <p:par>
+        <p:cTn id="1" dur="indefinite" restart="never" nodeType="tmRoot"/>
+      </p:par>
+    </p:tnLst>
+  </p:timing>
 </p:sldLayout>
 </file>
 
@@ -355,13 +428,7 @@
       </p:grpSpPr>
       <p:sp>
         <p:nvSpPr>
-          <p:cNvPr id="2" name="Title 1">
-            <a:extLst>
-              <a:ext uri="{FF2B5EF4-FFF2-40B4-BE49-F238E27FC236}">
-                <a16:creationId xmlns:a16="http://schemas.microsoft.com/office/drawing/2014/main" id="{4C2B2C6C-86E3-D5C4-FCB1-B33F8260124B}"/>
-              </a:ext>
-            </a:extLst>
-          </p:cNvPr>
+          <p:cNvPr id="2" name="Title 1"/>
           <p:cNvSpPr>
             <a:spLocks noGrp="1"/>
           </p:cNvSpPr>
@@ -375,22 +442,16 @@
           <a:lstStyle/>
           <a:p>
             <a:r>
-              <a:rPr lang="en-GB"/>
+              <a:rPr lang="en-US" smtClean="0"/>
               <a:t>Click to edit Master title style</a:t>
             </a:r>
-            <a:endParaRPr lang="en-US"/>
-          </a:p>
-        </p:txBody>
-      </p:sp>
-      <p:sp>
-        <p:nvSpPr>
-          <p:cNvPr id="3" name="Vertical Text Placeholder 2">
-            <a:extLst>
-              <a:ext uri="{FF2B5EF4-FFF2-40B4-BE49-F238E27FC236}">
-                <a16:creationId xmlns:a16="http://schemas.microsoft.com/office/drawing/2014/main" id="{1CACD1BF-2CE7-5718-5464-7CDDBA10762E}"/>
-              </a:ext>
-            </a:extLst>
-          </p:cNvPr>
+            <a:endParaRPr lang="en-US" dirty="0"/>
+          </a:p>
+        </p:txBody>
+      </p:sp>
+      <p:sp>
+        <p:nvSpPr>
+          <p:cNvPr id="3" name="Vertical Text Placeholder 2"/>
           <p:cNvSpPr>
             <a:spLocks noGrp="1"/>
           </p:cNvSpPr>
@@ -405,50 +466,44 @@
           <a:p>
             <a:pPr lvl="0"/>
             <a:r>
-              <a:rPr lang="en-GB"/>
-              <a:t>Click to edit Master text styles</a:t>
+              <a:rPr lang="en-US" smtClean="0"/>
+              <a:t>Edit Master text styles</a:t>
             </a:r>
           </a:p>
           <a:p>
             <a:pPr lvl="1"/>
             <a:r>
-              <a:rPr lang="en-GB"/>
+              <a:rPr lang="en-US" smtClean="0"/>
               <a:t>Second level</a:t>
             </a:r>
           </a:p>
           <a:p>
             <a:pPr lvl="2"/>
             <a:r>
-              <a:rPr lang="en-GB"/>
+              <a:rPr lang="en-US" smtClean="0"/>
               <a:t>Third level</a:t>
             </a:r>
           </a:p>
           <a:p>
             <a:pPr lvl="3"/>
             <a:r>
-              <a:rPr lang="en-GB"/>
+              <a:rPr lang="en-US" smtClean="0"/>
               <a:t>Fourth level</a:t>
             </a:r>
           </a:p>
           <a:p>
             <a:pPr lvl="4"/>
             <a:r>
-              <a:rPr lang="en-GB"/>
+              <a:rPr lang="en-US" smtClean="0"/>
               <a:t>Fifth level</a:t>
             </a:r>
-            <a:endParaRPr lang="en-US"/>
-          </a:p>
-        </p:txBody>
-      </p:sp>
-      <p:sp>
-        <p:nvSpPr>
-          <p:cNvPr id="4" name="Date Placeholder 3">
-            <a:extLst>
-              <a:ext uri="{FF2B5EF4-FFF2-40B4-BE49-F238E27FC236}">
-                <a16:creationId xmlns:a16="http://schemas.microsoft.com/office/drawing/2014/main" id="{F7578EFA-7A6C-F588-84CE-655DA052A6D1}"/>
-              </a:ext>
-            </a:extLst>
-          </p:cNvPr>
+            <a:endParaRPr lang="en-US" dirty="0"/>
+          </a:p>
+        </p:txBody>
+      </p:sp>
+      <p:sp>
+        <p:nvSpPr>
+          <p:cNvPr id="4" name="Date Placeholder 3"/>
           <p:cNvSpPr>
             <a:spLocks noGrp="1"/>
           </p:cNvSpPr>
@@ -463,7 +518,7 @@
           <a:p>
             <a:fld id="{956B6FFA-8F20-6F45-A8A1-E68F9DB043F4}" type="datetimeFigureOut">
               <a:rPr lang="en-US" smtClean="0"/>
-              <a:t>7/17/23</a:t>
+              <a:t>7/18/2023</a:t>
             </a:fld>
             <a:endParaRPr lang="en-US"/>
           </a:p>
@@ -471,13 +526,7 @@
       </p:sp>
       <p:sp>
         <p:nvSpPr>
-          <p:cNvPr id="5" name="Footer Placeholder 4">
-            <a:extLst>
-              <a:ext uri="{FF2B5EF4-FFF2-40B4-BE49-F238E27FC236}">
-                <a16:creationId xmlns:a16="http://schemas.microsoft.com/office/drawing/2014/main" id="{D7210DD6-7F5E-7F01-A570-C5F7B8761585}"/>
-              </a:ext>
-            </a:extLst>
-          </p:cNvPr>
+          <p:cNvPr id="5" name="Footer Placeholder 4"/>
           <p:cNvSpPr>
             <a:spLocks noGrp="1"/>
           </p:cNvSpPr>
@@ -496,13 +545,7 @@
       </p:sp>
       <p:sp>
         <p:nvSpPr>
-          <p:cNvPr id="6" name="Slide Number Placeholder 5">
-            <a:extLst>
-              <a:ext uri="{FF2B5EF4-FFF2-40B4-BE49-F238E27FC236}">
-                <a16:creationId xmlns:a16="http://schemas.microsoft.com/office/drawing/2014/main" id="{BC647955-09B1-0BF8-5539-A9302074133D}"/>
-              </a:ext>
-            </a:extLst>
-          </p:cNvPr>
+          <p:cNvPr id="6" name="Slide Number Placeholder 5"/>
           <p:cNvSpPr>
             <a:spLocks noGrp="1"/>
           </p:cNvSpPr>
@@ -526,13 +569,20 @@
     </p:spTree>
     <p:extLst>
       <p:ext uri="{BB962C8B-B14F-4D97-AF65-F5344CB8AC3E}">
-        <p14:creationId xmlns:p14="http://schemas.microsoft.com/office/powerpoint/2010/main" val="316349357"/>
+        <p14:creationId xmlns:p14="http://schemas.microsoft.com/office/powerpoint/2010/main" val="120415095"/>
       </p:ext>
     </p:extLst>
   </p:cSld>
   <p:clrMapOvr>
     <a:masterClrMapping/>
   </p:clrMapOvr>
+  <p:timing>
+    <p:tnLst>
+      <p:par>
+        <p:cTn id="1" dur="indefinite" restart="never" nodeType="tmRoot"/>
+      </p:par>
+    </p:tnLst>
+  </p:timing>
 </p:sldLayout>
 </file>
 
@@ -555,13 +605,7 @@
       </p:grpSpPr>
       <p:sp>
         <p:nvSpPr>
-          <p:cNvPr id="2" name="Vertical Title 1">
-            <a:extLst>
-              <a:ext uri="{FF2B5EF4-FFF2-40B4-BE49-F238E27FC236}">
-                <a16:creationId xmlns:a16="http://schemas.microsoft.com/office/drawing/2014/main" id="{1DF177EA-8E8E-3FBA-D42D-B5244AA48AFC}"/>
-              </a:ext>
-            </a:extLst>
-          </p:cNvPr>
+          <p:cNvPr id="2" name="Vertical Title 1"/>
           <p:cNvSpPr>
             <a:spLocks noGrp="1"/>
           </p:cNvSpPr>
@@ -571,8 +615,8 @@
         </p:nvSpPr>
         <p:spPr>
           <a:xfrm>
-            <a:off x="8724900" y="365125"/>
-            <a:ext cx="2628900" cy="5811838"/>
+            <a:off x="8743950" y="695325"/>
+            <a:ext cx="2628900" cy="4800600"/>
           </a:xfrm>
         </p:spPr>
         <p:txBody>
@@ -580,22 +624,16 @@
           <a:lstStyle/>
           <a:p>
             <a:r>
-              <a:rPr lang="en-GB"/>
+              <a:rPr lang="en-US" smtClean="0"/>
               <a:t>Click to edit Master title style</a:t>
             </a:r>
-            <a:endParaRPr lang="en-US"/>
-          </a:p>
-        </p:txBody>
-      </p:sp>
-      <p:sp>
-        <p:nvSpPr>
-          <p:cNvPr id="3" name="Vertical Text Placeholder 2">
-            <a:extLst>
-              <a:ext uri="{FF2B5EF4-FFF2-40B4-BE49-F238E27FC236}">
-                <a16:creationId xmlns:a16="http://schemas.microsoft.com/office/drawing/2014/main" id="{1B8FB4C1-3465-C1C8-EBED-375D1A725F9F}"/>
-              </a:ext>
-            </a:extLst>
-          </p:cNvPr>
+            <a:endParaRPr lang="en-US" dirty="0"/>
+          </a:p>
+        </p:txBody>
+      </p:sp>
+      <p:sp>
+        <p:nvSpPr>
+          <p:cNvPr id="3" name="Vertical Text Placeholder 2"/>
           <p:cNvSpPr>
             <a:spLocks noGrp="1"/>
           </p:cNvSpPr>
@@ -605,8 +643,8 @@
         </p:nvSpPr>
         <p:spPr>
           <a:xfrm>
-            <a:off x="838200" y="365125"/>
-            <a:ext cx="7734300" cy="5811838"/>
+            <a:off x="771525" y="714375"/>
+            <a:ext cx="7734300" cy="5400675"/>
           </a:xfrm>
         </p:spPr>
         <p:txBody>
@@ -615,50 +653,44 @@
           <a:p>
             <a:pPr lvl="0"/>
             <a:r>
-              <a:rPr lang="en-GB"/>
-              <a:t>Click to edit Master text styles</a:t>
+              <a:rPr lang="en-US" smtClean="0"/>
+              <a:t>Edit Master text styles</a:t>
             </a:r>
           </a:p>
           <a:p>
             <a:pPr lvl="1"/>
             <a:r>
-              <a:rPr lang="en-GB"/>
+              <a:rPr lang="en-US" smtClean="0"/>
               <a:t>Second level</a:t>
             </a:r>
           </a:p>
           <a:p>
             <a:pPr lvl="2"/>
             <a:r>
-              <a:rPr lang="en-GB"/>
+              <a:rPr lang="en-US" smtClean="0"/>
               <a:t>Third level</a:t>
             </a:r>
           </a:p>
           <a:p>
             <a:pPr lvl="3"/>
             <a:r>
-              <a:rPr lang="en-GB"/>
+              <a:rPr lang="en-US" smtClean="0"/>
               <a:t>Fourth level</a:t>
             </a:r>
           </a:p>
           <a:p>
             <a:pPr lvl="4"/>
             <a:r>
-              <a:rPr lang="en-GB"/>
+              <a:rPr lang="en-US" smtClean="0"/>
               <a:t>Fifth level</a:t>
             </a:r>
-            <a:endParaRPr lang="en-US"/>
-          </a:p>
-        </p:txBody>
-      </p:sp>
-      <p:sp>
-        <p:nvSpPr>
-          <p:cNvPr id="4" name="Date Placeholder 3">
-            <a:extLst>
-              <a:ext uri="{FF2B5EF4-FFF2-40B4-BE49-F238E27FC236}">
-                <a16:creationId xmlns:a16="http://schemas.microsoft.com/office/drawing/2014/main" id="{0A0CC215-8D66-96E1-ACCB-7BFC1DAEDA8A}"/>
-              </a:ext>
-            </a:extLst>
-          </p:cNvPr>
+            <a:endParaRPr lang="en-US" dirty="0"/>
+          </a:p>
+        </p:txBody>
+      </p:sp>
+      <p:sp>
+        <p:nvSpPr>
+          <p:cNvPr id="4" name="Date Placeholder 3"/>
           <p:cNvSpPr>
             <a:spLocks noGrp="1"/>
           </p:cNvSpPr>
@@ -673,7 +705,7 @@
           <a:p>
             <a:fld id="{956B6FFA-8F20-6F45-A8A1-E68F9DB043F4}" type="datetimeFigureOut">
               <a:rPr lang="en-US" smtClean="0"/>
-              <a:t>7/17/23</a:t>
+              <a:t>7/18/2023</a:t>
             </a:fld>
             <a:endParaRPr lang="en-US"/>
           </a:p>
@@ -681,13 +713,7 @@
       </p:sp>
       <p:sp>
         <p:nvSpPr>
-          <p:cNvPr id="5" name="Footer Placeholder 4">
-            <a:extLst>
-              <a:ext uri="{FF2B5EF4-FFF2-40B4-BE49-F238E27FC236}">
-                <a16:creationId xmlns:a16="http://schemas.microsoft.com/office/drawing/2014/main" id="{4A7AA092-CF85-8C27-44EA-355FEEF3BD6E}"/>
-              </a:ext>
-            </a:extLst>
-          </p:cNvPr>
+          <p:cNvPr id="5" name="Footer Placeholder 4"/>
           <p:cNvSpPr>
             <a:spLocks noGrp="1"/>
           </p:cNvSpPr>
@@ -706,13 +732,7 @@
       </p:sp>
       <p:sp>
         <p:nvSpPr>
-          <p:cNvPr id="6" name="Slide Number Placeholder 5">
-            <a:extLst>
-              <a:ext uri="{FF2B5EF4-FFF2-40B4-BE49-F238E27FC236}">
-                <a16:creationId xmlns:a16="http://schemas.microsoft.com/office/drawing/2014/main" id="{A7C1E0B9-7E18-7210-B200-79C96EB401C5}"/>
-              </a:ext>
-            </a:extLst>
-          </p:cNvPr>
+          <p:cNvPr id="6" name="Slide Number Placeholder 5"/>
           <p:cNvSpPr>
             <a:spLocks noGrp="1"/>
           </p:cNvSpPr>
@@ -736,13 +756,20 @@
     </p:spTree>
     <p:extLst>
       <p:ext uri="{BB962C8B-B14F-4D97-AF65-F5344CB8AC3E}">
-        <p14:creationId xmlns:p14="http://schemas.microsoft.com/office/powerpoint/2010/main" val="3036618873"/>
+        <p14:creationId xmlns:p14="http://schemas.microsoft.com/office/powerpoint/2010/main" val="1359236150"/>
       </p:ext>
     </p:extLst>
   </p:cSld>
   <p:clrMapOvr>
     <a:masterClrMapping/>
   </p:clrMapOvr>
+  <p:timing>
+    <p:tnLst>
+      <p:par>
+        <p:cTn id="1" dur="indefinite" restart="never" nodeType="tmRoot"/>
+      </p:par>
+    </p:tnLst>
+  </p:timing>
 </p:sldLayout>
 </file>
 
@@ -765,13 +792,7 @@
       </p:grpSpPr>
       <p:sp>
         <p:nvSpPr>
-          <p:cNvPr id="2" name="Title 1">
-            <a:extLst>
-              <a:ext uri="{FF2B5EF4-FFF2-40B4-BE49-F238E27FC236}">
-                <a16:creationId xmlns:a16="http://schemas.microsoft.com/office/drawing/2014/main" id="{8E13F695-6592-7F4E-D963-B4D6CF82EA62}"/>
-              </a:ext>
-            </a:extLst>
-          </p:cNvPr>
+          <p:cNvPr id="2" name="Title 1"/>
           <p:cNvSpPr>
             <a:spLocks noGrp="1"/>
           </p:cNvSpPr>
@@ -785,22 +806,16 @@
           <a:lstStyle/>
           <a:p>
             <a:r>
-              <a:rPr lang="en-GB"/>
+              <a:rPr lang="en-US" smtClean="0"/>
               <a:t>Click to edit Master title style</a:t>
             </a:r>
-            <a:endParaRPr lang="en-US"/>
-          </a:p>
-        </p:txBody>
-      </p:sp>
-      <p:sp>
-        <p:nvSpPr>
-          <p:cNvPr id="3" name="Content Placeholder 2">
-            <a:extLst>
-              <a:ext uri="{FF2B5EF4-FFF2-40B4-BE49-F238E27FC236}">
-                <a16:creationId xmlns:a16="http://schemas.microsoft.com/office/drawing/2014/main" id="{96FB469D-7A97-3E0E-693E-837C51A60DC2}"/>
-              </a:ext>
-            </a:extLst>
-          </p:cNvPr>
+            <a:endParaRPr lang="en-US" dirty="0"/>
+          </a:p>
+        </p:txBody>
+      </p:sp>
+      <p:sp>
+        <p:nvSpPr>
+          <p:cNvPr id="3" name="Content Placeholder 2"/>
           <p:cNvSpPr>
             <a:spLocks noGrp="1"/>
           </p:cNvSpPr>
@@ -815,50 +830,44 @@
           <a:p>
             <a:pPr lvl="0"/>
             <a:r>
-              <a:rPr lang="en-GB"/>
-              <a:t>Click to edit Master text styles</a:t>
+              <a:rPr lang="en-US" smtClean="0"/>
+              <a:t>Edit Master text styles</a:t>
             </a:r>
           </a:p>
           <a:p>
             <a:pPr lvl="1"/>
             <a:r>
-              <a:rPr lang="en-GB"/>
+              <a:rPr lang="en-US" smtClean="0"/>
               <a:t>Second level</a:t>
             </a:r>
           </a:p>
           <a:p>
             <a:pPr lvl="2"/>
             <a:r>
-              <a:rPr lang="en-GB"/>
+              <a:rPr lang="en-US" smtClean="0"/>
               <a:t>Third level</a:t>
             </a:r>
           </a:p>
           <a:p>
             <a:pPr lvl="3"/>
             <a:r>
-              <a:rPr lang="en-GB"/>
+              <a:rPr lang="en-US" smtClean="0"/>
               <a:t>Fourth level</a:t>
             </a:r>
           </a:p>
           <a:p>
             <a:pPr lvl="4"/>
             <a:r>
-              <a:rPr lang="en-GB"/>
+              <a:rPr lang="en-US" smtClean="0"/>
               <a:t>Fifth level</a:t>
             </a:r>
-            <a:endParaRPr lang="en-US"/>
-          </a:p>
-        </p:txBody>
-      </p:sp>
-      <p:sp>
-        <p:nvSpPr>
-          <p:cNvPr id="4" name="Date Placeholder 3">
-            <a:extLst>
-              <a:ext uri="{FF2B5EF4-FFF2-40B4-BE49-F238E27FC236}">
-                <a16:creationId xmlns:a16="http://schemas.microsoft.com/office/drawing/2014/main" id="{EC42EEE3-7719-1E31-E4F0-4B092CAF829C}"/>
-              </a:ext>
-            </a:extLst>
-          </p:cNvPr>
+            <a:endParaRPr lang="en-US" dirty="0"/>
+          </a:p>
+        </p:txBody>
+      </p:sp>
+      <p:sp>
+        <p:nvSpPr>
+          <p:cNvPr id="4" name="Date Placeholder 3"/>
           <p:cNvSpPr>
             <a:spLocks noGrp="1"/>
           </p:cNvSpPr>
@@ -873,7 +882,7 @@
           <a:p>
             <a:fld id="{D4CE8C2D-4785-D04E-B999-721DAB33379E}" type="datetimeFigureOut">
               <a:rPr lang="en-US" smtClean="0"/>
-              <a:t>7/17/23</a:t>
+              <a:t>7/18/2023</a:t>
             </a:fld>
             <a:endParaRPr lang="en-US"/>
           </a:p>
@@ -881,13 +890,7 @@
       </p:sp>
       <p:sp>
         <p:nvSpPr>
-          <p:cNvPr id="5" name="Footer Placeholder 4">
-            <a:extLst>
-              <a:ext uri="{FF2B5EF4-FFF2-40B4-BE49-F238E27FC236}">
-                <a16:creationId xmlns:a16="http://schemas.microsoft.com/office/drawing/2014/main" id="{864DF097-DB64-5658-CCCD-03E913CC9C87}"/>
-              </a:ext>
-            </a:extLst>
-          </p:cNvPr>
+          <p:cNvPr id="5" name="Footer Placeholder 4"/>
           <p:cNvSpPr>
             <a:spLocks noGrp="1"/>
           </p:cNvSpPr>
@@ -906,13 +909,7 @@
       </p:sp>
       <p:sp>
         <p:nvSpPr>
-          <p:cNvPr id="6" name="Slide Number Placeholder 5">
-            <a:extLst>
-              <a:ext uri="{FF2B5EF4-FFF2-40B4-BE49-F238E27FC236}">
-                <a16:creationId xmlns:a16="http://schemas.microsoft.com/office/drawing/2014/main" id="{CA13CF7F-34FB-32CB-92A8-21A64CACB394}"/>
-              </a:ext>
-            </a:extLst>
-          </p:cNvPr>
+          <p:cNvPr id="6" name="Slide Number Placeholder 5"/>
           <p:cNvSpPr>
             <a:spLocks noGrp="1"/>
           </p:cNvSpPr>
@@ -936,13 +933,20 @@
     </p:spTree>
     <p:extLst>
       <p:ext uri="{BB962C8B-B14F-4D97-AF65-F5344CB8AC3E}">
-        <p14:creationId xmlns:p14="http://schemas.microsoft.com/office/powerpoint/2010/main" val="1744426954"/>
+        <p14:creationId xmlns:p14="http://schemas.microsoft.com/office/powerpoint/2010/main" val="3783112258"/>
       </p:ext>
     </p:extLst>
   </p:cSld>
   <p:clrMapOvr>
     <a:masterClrMapping/>
   </p:clrMapOvr>
+  <p:timing>
+    <p:tnLst>
+      <p:par>
+        <p:cTn id="1" dur="indefinite" restart="never" nodeType="tmRoot"/>
+      </p:par>
+    </p:tnLst>
+  </p:timing>
 </p:sldLayout>
 </file>
 
@@ -965,13 +969,7 @@
       </p:grpSpPr>
       <p:sp>
         <p:nvSpPr>
-          <p:cNvPr id="2" name="Title 1">
-            <a:extLst>
-              <a:ext uri="{FF2B5EF4-FFF2-40B4-BE49-F238E27FC236}">
-                <a16:creationId xmlns:a16="http://schemas.microsoft.com/office/drawing/2014/main" id="{22C4F3DF-CE54-E9AF-2895-7CB60CA8CFBA}"/>
-              </a:ext>
-            </a:extLst>
-          </p:cNvPr>
+          <p:cNvPr id="2" name="Title 1"/>
           <p:cNvSpPr>
             <a:spLocks noGrp="1"/>
           </p:cNvSpPr>
@@ -981,64 +979,68 @@
         </p:nvSpPr>
         <p:spPr>
           <a:xfrm>
-            <a:off x="831850" y="1709738"/>
-            <a:ext cx="10515600" cy="2852737"/>
+            <a:off x="603504" y="767419"/>
+            <a:ext cx="10780776" cy="3355848"/>
           </a:xfrm>
         </p:spPr>
         <p:txBody>
-          <a:bodyPr anchor="b"/>
+          <a:bodyPr anchor="b">
+            <a:normAutofit/>
+          </a:bodyPr>
           <a:lstStyle>
             <a:lvl1pPr>
-              <a:defRPr sz="6000"/>
-            </a:lvl1pPr>
-          </a:lstStyle>
-          <a:p>
-            <a:r>
-              <a:rPr lang="en-GB"/>
-              <a:t>Click to edit Master title style</a:t>
-            </a:r>
-            <a:endParaRPr lang="en-US"/>
-          </a:p>
-        </p:txBody>
-      </p:sp>
-      <p:sp>
-        <p:nvSpPr>
-          <p:cNvPr id="3" name="Text Placeholder 2">
-            <a:extLst>
-              <a:ext uri="{FF2B5EF4-FFF2-40B4-BE49-F238E27FC236}">
-                <a16:creationId xmlns:a16="http://schemas.microsoft.com/office/drawing/2014/main" id="{69D7AE05-849C-E750-1047-F1999CDE01E1}"/>
-              </a:ext>
-            </a:extLst>
-          </p:cNvPr>
-          <p:cNvSpPr>
-            <a:spLocks noGrp="1"/>
-          </p:cNvSpPr>
-          <p:nvPr>
-            <p:ph type="body" idx="1"/>
-          </p:nvPr>
-        </p:nvSpPr>
-        <p:spPr>
-          <a:xfrm>
-            <a:off x="831850" y="4589463"/>
-            <a:ext cx="10515600" cy="1500187"/>
-          </a:xfrm>
-        </p:spPr>
-        <p:txBody>
-          <a:bodyPr/>
-          <a:lstStyle>
-            <a:lvl1pPr marL="0" indent="0">
-              <a:buNone/>
-              <a:defRPr sz="2400">
+              <a:lnSpc>
+                <a:spcPct val="80000"/>
+              </a:lnSpc>
+              <a:defRPr sz="8800" b="0" baseline="0">
                 <a:solidFill>
-                  <a:schemeClr val="tx1">
-                    <a:tint val="75000"/>
-                  </a:schemeClr>
+                  <a:schemeClr val="accent1"/>
                 </a:solidFill>
               </a:defRPr>
             </a:lvl1pPr>
+          </a:lstStyle>
+          <a:p>
+            <a:r>
+              <a:rPr lang="en-US" smtClean="0"/>
+              <a:t>Click to edit Master title style</a:t>
+            </a:r>
+            <a:endParaRPr lang="en-US" dirty="0"/>
+          </a:p>
+        </p:txBody>
+      </p:sp>
+      <p:sp>
+        <p:nvSpPr>
+          <p:cNvPr id="3" name="Text Placeholder 2"/>
+          <p:cNvSpPr>
+            <a:spLocks noGrp="1"/>
+          </p:cNvSpPr>
+          <p:nvPr>
+            <p:ph type="body" idx="1"/>
+          </p:nvPr>
+        </p:nvSpPr>
+        <p:spPr>
+          <a:xfrm>
+            <a:off x="667512" y="4204209"/>
+            <a:ext cx="9226296" cy="1645920"/>
+          </a:xfrm>
+        </p:spPr>
+        <p:txBody>
+          <a:bodyPr anchor="t">
+            <a:normAutofit/>
+          </a:bodyPr>
+          <a:lstStyle>
+            <a:lvl1pPr marL="0" indent="0">
+              <a:buNone/>
+              <a:defRPr sz="3200">
+                <a:solidFill>
+                  <a:schemeClr val="tx1"/>
+                </a:solidFill>
+                <a:latin typeface="+mj-lt"/>
+              </a:defRPr>
+            </a:lvl1pPr>
             <a:lvl2pPr marL="457200" indent="0">
               <a:buNone/>
-              <a:defRPr sz="2000">
+              <a:defRPr sz="1800">
                 <a:solidFill>
                   <a:schemeClr val="tx1">
                     <a:tint val="75000"/>
@@ -1048,7 +1050,7 @@
             </a:lvl2pPr>
             <a:lvl3pPr marL="914400" indent="0">
               <a:buNone/>
-              <a:defRPr sz="1800">
+              <a:defRPr sz="1600">
                 <a:solidFill>
                   <a:schemeClr val="tx1">
                     <a:tint val="75000"/>
@@ -1058,7 +1060,7 @@
             </a:lvl3pPr>
             <a:lvl4pPr marL="1371600" indent="0">
               <a:buNone/>
-              <a:defRPr sz="1600">
+              <a:defRPr sz="1400">
                 <a:solidFill>
                   <a:schemeClr val="tx1">
                     <a:tint val="75000"/>
@@ -1068,7 +1070,7 @@
             </a:lvl4pPr>
             <a:lvl5pPr marL="1828800" indent="0">
               <a:buNone/>
-              <a:defRPr sz="1600">
+              <a:defRPr sz="1400">
                 <a:solidFill>
                   <a:schemeClr val="tx1">
                     <a:tint val="75000"/>
@@ -1078,7 +1080,7 @@
             </a:lvl5pPr>
             <a:lvl6pPr marL="2286000" indent="0">
               <a:buNone/>
-              <a:defRPr sz="1600">
+              <a:defRPr sz="1400">
                 <a:solidFill>
                   <a:schemeClr val="tx1">
                     <a:tint val="75000"/>
@@ -1088,7 +1090,7 @@
             </a:lvl6pPr>
             <a:lvl7pPr marL="2743200" indent="0">
               <a:buNone/>
-              <a:defRPr sz="1600">
+              <a:defRPr sz="1400">
                 <a:solidFill>
                   <a:schemeClr val="tx1">
                     <a:tint val="75000"/>
@@ -1098,7 +1100,7 @@
             </a:lvl7pPr>
             <a:lvl8pPr marL="3200400" indent="0">
               <a:buNone/>
-              <a:defRPr sz="1600">
+              <a:defRPr sz="1400">
                 <a:solidFill>
                   <a:schemeClr val="tx1">
                     <a:tint val="75000"/>
@@ -1108,7 +1110,7 @@
             </a:lvl8pPr>
             <a:lvl9pPr marL="3657600" indent="0">
               <a:buNone/>
-              <a:defRPr sz="1600">
+              <a:defRPr sz="1400">
                 <a:solidFill>
                   <a:schemeClr val="tx1">
                     <a:tint val="75000"/>
@@ -1120,21 +1122,15 @@
           <a:p>
             <a:pPr lvl="0"/>
             <a:r>
-              <a:rPr lang="en-GB"/>
-              <a:t>Click to edit Master text styles</a:t>
-            </a:r>
-          </a:p>
-        </p:txBody>
-      </p:sp>
-      <p:sp>
-        <p:nvSpPr>
-          <p:cNvPr id="4" name="Date Placeholder 3">
-            <a:extLst>
-              <a:ext uri="{FF2B5EF4-FFF2-40B4-BE49-F238E27FC236}">
-                <a16:creationId xmlns:a16="http://schemas.microsoft.com/office/drawing/2014/main" id="{084A2958-AB29-44FB-3FE5-2639A67F9B4F}"/>
-              </a:ext>
-            </a:extLst>
-          </p:cNvPr>
+              <a:rPr lang="en-US" smtClean="0"/>
+              <a:t>Edit Master text styles</a:t>
+            </a:r>
+          </a:p>
+        </p:txBody>
+      </p:sp>
+      <p:sp>
+        <p:nvSpPr>
+          <p:cNvPr id="4" name="Date Placeholder 3"/>
           <p:cNvSpPr>
             <a:spLocks noGrp="1"/>
           </p:cNvSpPr>
@@ -1149,7 +1145,7 @@
           <a:p>
             <a:fld id="{D4CE8C2D-4785-D04E-B999-721DAB33379E}" type="datetimeFigureOut">
               <a:rPr lang="en-US" smtClean="0"/>
-              <a:t>7/17/23</a:t>
+              <a:t>7/18/2023</a:t>
             </a:fld>
             <a:endParaRPr lang="en-US"/>
           </a:p>
@@ -1157,13 +1153,7 @@
       </p:sp>
       <p:sp>
         <p:nvSpPr>
-          <p:cNvPr id="5" name="Footer Placeholder 4">
-            <a:extLst>
-              <a:ext uri="{FF2B5EF4-FFF2-40B4-BE49-F238E27FC236}">
-                <a16:creationId xmlns:a16="http://schemas.microsoft.com/office/drawing/2014/main" id="{39E46204-FD14-95C4-F4D7-5526008DC15B}"/>
-              </a:ext>
-            </a:extLst>
-          </p:cNvPr>
+          <p:cNvPr id="5" name="Footer Placeholder 4"/>
           <p:cNvSpPr>
             <a:spLocks noGrp="1"/>
           </p:cNvSpPr>
@@ -1182,13 +1172,7 @@
       </p:sp>
       <p:sp>
         <p:nvSpPr>
-          <p:cNvPr id="6" name="Slide Number Placeholder 5">
-            <a:extLst>
-              <a:ext uri="{FF2B5EF4-FFF2-40B4-BE49-F238E27FC236}">
-                <a16:creationId xmlns:a16="http://schemas.microsoft.com/office/drawing/2014/main" id="{92F3C9FF-DF87-4593-D027-0795BDFD4577}"/>
-              </a:ext>
-            </a:extLst>
-          </p:cNvPr>
+          <p:cNvPr id="6" name="Slide Number Placeholder 5"/>
           <p:cNvSpPr>
             <a:spLocks noGrp="1"/>
           </p:cNvSpPr>
@@ -1212,13 +1196,20 @@
     </p:spTree>
     <p:extLst>
       <p:ext uri="{BB962C8B-B14F-4D97-AF65-F5344CB8AC3E}">
-        <p14:creationId xmlns:p14="http://schemas.microsoft.com/office/powerpoint/2010/main" val="823264669"/>
+        <p14:creationId xmlns:p14="http://schemas.microsoft.com/office/powerpoint/2010/main" val="1581532642"/>
       </p:ext>
     </p:extLst>
   </p:cSld>
   <p:clrMapOvr>
     <a:masterClrMapping/>
   </p:clrMapOvr>
+  <p:timing>
+    <p:tnLst>
+      <p:par>
+        <p:cTn id="1" dur="indefinite" restart="never" nodeType="tmRoot"/>
+      </p:par>
+    </p:tnLst>
+  </p:timing>
 </p:sldLayout>
 </file>
 
@@ -1241,13 +1232,7 @@
       </p:grpSpPr>
       <p:sp>
         <p:nvSpPr>
-          <p:cNvPr id="2" name="Title 1">
-            <a:extLst>
-              <a:ext uri="{FF2B5EF4-FFF2-40B4-BE49-F238E27FC236}">
-                <a16:creationId xmlns:a16="http://schemas.microsoft.com/office/drawing/2014/main" id="{A5B87868-8762-39DD-04EE-83642888323F}"/>
-              </a:ext>
-            </a:extLst>
-          </p:cNvPr>
+          <p:cNvPr id="2" name="Title 1"/>
           <p:cNvSpPr>
             <a:spLocks noGrp="1"/>
           </p:cNvSpPr>
@@ -1261,22 +1246,16 @@
           <a:lstStyle/>
           <a:p>
             <a:r>
-              <a:rPr lang="en-GB"/>
+              <a:rPr lang="en-US" smtClean="0"/>
               <a:t>Click to edit Master title style</a:t>
             </a:r>
-            <a:endParaRPr lang="en-US"/>
-          </a:p>
-        </p:txBody>
-      </p:sp>
-      <p:sp>
-        <p:nvSpPr>
-          <p:cNvPr id="3" name="Content Placeholder 2">
-            <a:extLst>
-              <a:ext uri="{FF2B5EF4-FFF2-40B4-BE49-F238E27FC236}">
-                <a16:creationId xmlns:a16="http://schemas.microsoft.com/office/drawing/2014/main" id="{C89F3D99-FE86-6597-A31A-972B93669E7F}"/>
-              </a:ext>
-            </a:extLst>
-          </p:cNvPr>
+            <a:endParaRPr lang="en-US" dirty="0"/>
+          </a:p>
+        </p:txBody>
+      </p:sp>
+      <p:sp>
+        <p:nvSpPr>
+          <p:cNvPr id="3" name="Content Placeholder 2"/>
           <p:cNvSpPr>
             <a:spLocks noGrp="1"/>
           </p:cNvSpPr>
@@ -1286,60 +1265,82 @@
         </p:nvSpPr>
         <p:spPr>
           <a:xfrm>
-            <a:off x="838200" y="1825625"/>
-            <a:ext cx="5181600" cy="4351338"/>
+            <a:off x="676656" y="1998134"/>
+            <a:ext cx="4663440" cy="3767328"/>
           </a:xfrm>
         </p:spPr>
         <p:txBody>
           <a:bodyPr/>
-          <a:lstStyle/>
+          <a:lstStyle>
+            <a:lvl1pPr>
+              <a:defRPr sz="2400"/>
+            </a:lvl1pPr>
+            <a:lvl2pPr>
+              <a:defRPr sz="2000"/>
+            </a:lvl2pPr>
+            <a:lvl3pPr>
+              <a:defRPr sz="1800"/>
+            </a:lvl3pPr>
+            <a:lvl4pPr>
+              <a:defRPr sz="1600"/>
+            </a:lvl4pPr>
+            <a:lvl5pPr>
+              <a:defRPr sz="1600"/>
+            </a:lvl5pPr>
+            <a:lvl6pPr>
+              <a:defRPr sz="1600"/>
+            </a:lvl6pPr>
+            <a:lvl7pPr>
+              <a:defRPr sz="1600"/>
+            </a:lvl7pPr>
+            <a:lvl8pPr>
+              <a:defRPr sz="1600"/>
+            </a:lvl8pPr>
+            <a:lvl9pPr>
+              <a:defRPr sz="1600"/>
+            </a:lvl9pPr>
+          </a:lstStyle>
           <a:p>
             <a:pPr lvl="0"/>
             <a:r>
-              <a:rPr lang="en-GB"/>
-              <a:t>Click to edit Master text styles</a:t>
+              <a:rPr lang="en-US" smtClean="0"/>
+              <a:t>Edit Master text styles</a:t>
             </a:r>
           </a:p>
           <a:p>
             <a:pPr lvl="1"/>
             <a:r>
-              <a:rPr lang="en-GB"/>
+              <a:rPr lang="en-US" smtClean="0"/>
               <a:t>Second level</a:t>
             </a:r>
           </a:p>
           <a:p>
             <a:pPr lvl="2"/>
             <a:r>
-              <a:rPr lang="en-GB"/>
+              <a:rPr lang="en-US" smtClean="0"/>
               <a:t>Third level</a:t>
             </a:r>
           </a:p>
           <a:p>
             <a:pPr lvl="3"/>
             <a:r>
-              <a:rPr lang="en-GB"/>
+              <a:rPr lang="en-US" smtClean="0"/>
               <a:t>Fourth level</a:t>
             </a:r>
           </a:p>
           <a:p>
             <a:pPr lvl="4"/>
             <a:r>
-              <a:rPr lang="en-GB"/>
+              <a:rPr lang="en-US" smtClean="0"/>
               <a:t>Fifth level</a:t>
             </a:r>
-            <a:endParaRPr lang="en-US"/>
-          </a:p>
-        </p:txBody>
-      </p:sp>
-      <p:sp>
-        <p:nvSpPr>
-          <p:cNvPr id="4" name="Content Placeholder 3">
-            <a:extLst>
-              <a:ext uri="{FF2B5EF4-FFF2-40B4-BE49-F238E27FC236}">
-                <a16:creationId xmlns:a16="http://schemas.microsoft.com/office/drawing/2014/main" id="{0FBF17B7-DD4F-80B0-6D1D-E7E0037E3377}"/>
-              </a:ext>
-            </a:extLst>
-          </p:cNvPr>
+            <a:endParaRPr lang="en-US" dirty="0"/>
+          </a:p>
+        </p:txBody>
+      </p:sp>
+      <p:sp>
+        <p:nvSpPr>
+          <p:cNvPr id="4" name="Content Placeholder 3"/>
           <p:cNvSpPr>
             <a:spLocks noGrp="1"/>
           </p:cNvSpPr>
@@ -1349,60 +1350,82 @@
         </p:nvSpPr>
         <p:spPr>
           <a:xfrm>
-            <a:off x="6172200" y="1825625"/>
-            <a:ext cx="5181600" cy="4351338"/>
+            <a:off x="6011330" y="1998134"/>
+            <a:ext cx="4663440" cy="3767328"/>
           </a:xfrm>
         </p:spPr>
         <p:txBody>
           <a:bodyPr/>
-          <a:lstStyle/>
+          <a:lstStyle>
+            <a:lvl1pPr>
+              <a:defRPr sz="2400"/>
+            </a:lvl1pPr>
+            <a:lvl2pPr>
+              <a:defRPr sz="2000"/>
+            </a:lvl2pPr>
+            <a:lvl3pPr>
+              <a:defRPr sz="1800"/>
+            </a:lvl3pPr>
+            <a:lvl4pPr>
+              <a:defRPr sz="1600"/>
+            </a:lvl4pPr>
+            <a:lvl5pPr>
+              <a:defRPr sz="1600"/>
+            </a:lvl5pPr>
+            <a:lvl6pPr>
+              <a:defRPr sz="1600"/>
+            </a:lvl6pPr>
+            <a:lvl7pPr>
+              <a:defRPr sz="1600"/>
+            </a:lvl7pPr>
+            <a:lvl8pPr>
+              <a:defRPr sz="1600"/>
+            </a:lvl8pPr>
+            <a:lvl9pPr>
+              <a:defRPr sz="1600"/>
+            </a:lvl9pPr>
+          </a:lstStyle>
           <a:p>
             <a:pPr lvl="0"/>
             <a:r>
-              <a:rPr lang="en-GB"/>
-              <a:t>Click to edit Master text styles</a:t>
+              <a:rPr lang="en-US" smtClean="0"/>
+              <a:t>Edit Master text styles</a:t>
             </a:r>
           </a:p>
           <a:p>
             <a:pPr lvl="1"/>
             <a:r>
-              <a:rPr lang="en-GB"/>
+              <a:rPr lang="en-US" smtClean="0"/>
               <a:t>Second level</a:t>
             </a:r>
           </a:p>
           <a:p>
             <a:pPr lvl="2"/>
             <a:r>
-              <a:rPr lang="en-GB"/>
+              <a:rPr lang="en-US" smtClean="0"/>
               <a:t>Third level</a:t>
             </a:r>
           </a:p>
           <a:p>
             <a:pPr lvl="3"/>
             <a:r>
-              <a:rPr lang="en-GB"/>
+              <a:rPr lang="en-US" smtClean="0"/>
               <a:t>Fourth level</a:t>
             </a:r>
           </a:p>
           <a:p>
             <a:pPr lvl="4"/>
             <a:r>
-              <a:rPr lang="en-GB"/>
+              <a:rPr lang="en-US" smtClean="0"/>
               <a:t>Fifth level</a:t>
             </a:r>
-            <a:endParaRPr lang="en-US"/>
-          </a:p>
-        </p:txBody>
-      </p:sp>
-      <p:sp>
-        <p:nvSpPr>
-          <p:cNvPr id="5" name="Date Placeholder 4">
-            <a:extLst>
-              <a:ext uri="{FF2B5EF4-FFF2-40B4-BE49-F238E27FC236}">
-                <a16:creationId xmlns:a16="http://schemas.microsoft.com/office/drawing/2014/main" id="{0FD0F10C-4198-12A8-F63F-35ECAF3A2F38}"/>
-              </a:ext>
-            </a:extLst>
-          </p:cNvPr>
+            <a:endParaRPr lang="en-US" dirty="0"/>
+          </a:p>
+        </p:txBody>
+      </p:sp>
+      <p:sp>
+        <p:nvSpPr>
+          <p:cNvPr id="5" name="Date Placeholder 4"/>
           <p:cNvSpPr>
             <a:spLocks noGrp="1"/>
           </p:cNvSpPr>
@@ -1417,7 +1440,7 @@
           <a:p>
             <a:fld id="{956B6FFA-8F20-6F45-A8A1-E68F9DB043F4}" type="datetimeFigureOut">
               <a:rPr lang="en-US" smtClean="0"/>
-              <a:t>7/17/23</a:t>
+              <a:t>7/18/2023</a:t>
             </a:fld>
             <a:endParaRPr lang="en-US"/>
           </a:p>
@@ -1425,13 +1448,7 @@
       </p:sp>
       <p:sp>
         <p:nvSpPr>
-          <p:cNvPr id="6" name="Footer Placeholder 5">
-            <a:extLst>
-              <a:ext uri="{FF2B5EF4-FFF2-40B4-BE49-F238E27FC236}">
-                <a16:creationId xmlns:a16="http://schemas.microsoft.com/office/drawing/2014/main" id="{610FE3F0-F0E1-D8C9-EE21-D1C31F409790}"/>
-              </a:ext>
-            </a:extLst>
-          </p:cNvPr>
+          <p:cNvPr id="6" name="Footer Placeholder 5"/>
           <p:cNvSpPr>
             <a:spLocks noGrp="1"/>
           </p:cNvSpPr>
@@ -1450,13 +1467,7 @@
       </p:sp>
       <p:sp>
         <p:nvSpPr>
-          <p:cNvPr id="7" name="Slide Number Placeholder 6">
-            <a:extLst>
-              <a:ext uri="{FF2B5EF4-FFF2-40B4-BE49-F238E27FC236}">
-                <a16:creationId xmlns:a16="http://schemas.microsoft.com/office/drawing/2014/main" id="{9C132D4A-39EE-AC40-09C8-31CF02C54629}"/>
-              </a:ext>
-            </a:extLst>
-          </p:cNvPr>
+          <p:cNvPr id="7" name="Slide Number Placeholder 6"/>
           <p:cNvSpPr>
             <a:spLocks noGrp="1"/>
           </p:cNvSpPr>
@@ -1480,13 +1491,20 @@
     </p:spTree>
     <p:extLst>
       <p:ext uri="{BB962C8B-B14F-4D97-AF65-F5344CB8AC3E}">
-        <p14:creationId xmlns:p14="http://schemas.microsoft.com/office/powerpoint/2010/main" val="2161347035"/>
+        <p14:creationId xmlns:p14="http://schemas.microsoft.com/office/powerpoint/2010/main" val="3201585467"/>
       </p:ext>
     </p:extLst>
   </p:cSld>
   <p:clrMapOvr>
     <a:masterClrMapping/>
   </p:clrMapOvr>
+  <p:timing>
+    <p:tnLst>
+      <p:par>
+        <p:cTn id="1" dur="indefinite" restart="never" nodeType="tmRoot"/>
+      </p:par>
+    </p:tnLst>
+  </p:timing>
 </p:sldLayout>
 </file>
 
@@ -1509,66 +1527,59 @@
       </p:grpSpPr>
       <p:sp>
         <p:nvSpPr>
-          <p:cNvPr id="2" name="Title 1">
-            <a:extLst>
-              <a:ext uri="{FF2B5EF4-FFF2-40B4-BE49-F238E27FC236}">
-                <a16:creationId xmlns:a16="http://schemas.microsoft.com/office/drawing/2014/main" id="{094CBB31-557F-04CD-0693-A91BB9E42211}"/>
-              </a:ext>
-            </a:extLst>
-          </p:cNvPr>
+          <p:cNvPr id="10" name="Title 9"/>
           <p:cNvSpPr>
             <a:spLocks noGrp="1"/>
           </p:cNvSpPr>
           <p:nvPr>
             <p:ph type="title"/>
+          </p:nvPr>
+        </p:nvSpPr>
+        <p:spPr/>
+        <p:txBody>
+          <a:bodyPr/>
+          <a:lstStyle/>
+          <a:p>
+            <a:r>
+              <a:rPr lang="en-US" smtClean="0"/>
+              <a:t>Click to edit Master title style</a:t>
+            </a:r>
+            <a:endParaRPr lang="en-US" dirty="0"/>
+          </a:p>
+        </p:txBody>
+      </p:sp>
+      <p:sp>
+        <p:nvSpPr>
+          <p:cNvPr id="3" name="Text Placeholder 2"/>
+          <p:cNvSpPr>
+            <a:spLocks noGrp="1"/>
+          </p:cNvSpPr>
+          <p:nvPr>
+            <p:ph type="body" idx="1"/>
           </p:nvPr>
         </p:nvSpPr>
         <p:spPr>
           <a:xfrm>
-            <a:off x="839788" y="365125"/>
-            <a:ext cx="10515600" cy="1325563"/>
+            <a:off x="676656" y="2040467"/>
+            <a:ext cx="4663440" cy="723400"/>
           </a:xfrm>
         </p:spPr>
         <p:txBody>
-          <a:bodyPr/>
-          <a:lstStyle/>
-          <a:p>
-            <a:r>
-              <a:rPr lang="en-GB"/>
-              <a:t>Click to edit Master title style</a:t>
-            </a:r>
-            <a:endParaRPr lang="en-US"/>
-          </a:p>
-        </p:txBody>
-      </p:sp>
-      <p:sp>
-        <p:nvSpPr>
-          <p:cNvPr id="3" name="Text Placeholder 2">
-            <a:extLst>
-              <a:ext uri="{FF2B5EF4-FFF2-40B4-BE49-F238E27FC236}">
-                <a16:creationId xmlns:a16="http://schemas.microsoft.com/office/drawing/2014/main" id="{F71C68C0-CEA2-60B6-831E-464029F9B8C5}"/>
-              </a:ext>
-            </a:extLst>
-          </p:cNvPr>
-          <p:cNvSpPr>
-            <a:spLocks noGrp="1"/>
-          </p:cNvSpPr>
-          <p:nvPr>
-            <p:ph type="body" idx="1"/>
-          </p:nvPr>
-        </p:nvSpPr>
-        <p:spPr>
-          <a:xfrm>
-            <a:off x="839788" y="1681163"/>
-            <a:ext cx="5157787" cy="823912"/>
-          </a:xfrm>
-        </p:spPr>
-        <p:txBody>
-          <a:bodyPr anchor="b"/>
+          <a:bodyPr anchor="ctr">
+            <a:normAutofit/>
+          </a:bodyPr>
           <a:lstStyle>
             <a:lvl1pPr marL="0" indent="0">
               <a:buNone/>
-              <a:defRPr sz="2400" b="1"/>
+              <a:defRPr sz="2200" b="0" cap="all" baseline="0">
+                <a:solidFill>
+                  <a:schemeClr val="tx1">
+                    <a:lumMod val="85000"/>
+                    <a:lumOff val="15000"/>
+                  </a:schemeClr>
+                </a:solidFill>
+                <a:latin typeface="+mj-lt"/>
+              </a:defRPr>
             </a:lvl1pPr>
             <a:lvl2pPr marL="457200" indent="0">
               <a:buNone/>
@@ -1606,21 +1617,15 @@
           <a:p>
             <a:pPr lvl="0"/>
             <a:r>
-              <a:rPr lang="en-GB"/>
-              <a:t>Click to edit Master text styles</a:t>
-            </a:r>
-          </a:p>
-        </p:txBody>
-      </p:sp>
-      <p:sp>
-        <p:nvSpPr>
-          <p:cNvPr id="4" name="Content Placeholder 3">
-            <a:extLst>
-              <a:ext uri="{FF2B5EF4-FFF2-40B4-BE49-F238E27FC236}">
-                <a16:creationId xmlns:a16="http://schemas.microsoft.com/office/drawing/2014/main" id="{1FECEE7B-1519-248B-6B07-27D3F861EC3D}"/>
-              </a:ext>
-            </a:extLst>
-          </p:cNvPr>
+              <a:rPr lang="en-US" smtClean="0"/>
+              <a:t>Edit Master text styles</a:t>
+            </a:r>
+          </a:p>
+        </p:txBody>
+      </p:sp>
+      <p:sp>
+        <p:nvSpPr>
+          <p:cNvPr id="4" name="Content Placeholder 3"/>
           <p:cNvSpPr>
             <a:spLocks noGrp="1"/>
           </p:cNvSpPr>
@@ -1630,60 +1635,82 @@
         </p:nvSpPr>
         <p:spPr>
           <a:xfrm>
-            <a:off x="839788" y="2505075"/>
-            <a:ext cx="5157787" cy="3684588"/>
+            <a:off x="676656" y="2753084"/>
+            <a:ext cx="4663440" cy="3200400"/>
           </a:xfrm>
         </p:spPr>
         <p:txBody>
           <a:bodyPr/>
-          <a:lstStyle/>
+          <a:lstStyle>
+            <a:lvl1pPr>
+              <a:defRPr sz="2400"/>
+            </a:lvl1pPr>
+            <a:lvl2pPr>
+              <a:defRPr sz="2000"/>
+            </a:lvl2pPr>
+            <a:lvl3pPr>
+              <a:defRPr sz="1800"/>
+            </a:lvl3pPr>
+            <a:lvl4pPr>
+              <a:defRPr sz="1600"/>
+            </a:lvl4pPr>
+            <a:lvl5pPr>
+              <a:defRPr sz="1600"/>
+            </a:lvl5pPr>
+            <a:lvl6pPr>
+              <a:defRPr sz="1600"/>
+            </a:lvl6pPr>
+            <a:lvl7pPr>
+              <a:defRPr sz="1600"/>
+            </a:lvl7pPr>
+            <a:lvl8pPr>
+              <a:defRPr sz="1600"/>
+            </a:lvl8pPr>
+            <a:lvl9pPr>
+              <a:defRPr sz="1600"/>
+            </a:lvl9pPr>
+          </a:lstStyle>
           <a:p>
             <a:pPr lvl="0"/>
             <a:r>
-              <a:rPr lang="en-GB"/>
-              <a:t>Click to edit Master text styles</a:t>
+              <a:rPr lang="en-US" smtClean="0"/>
+              <a:t>Edit Master text styles</a:t>
             </a:r>
           </a:p>
           <a:p>
             <a:pPr lvl="1"/>
             <a:r>
-              <a:rPr lang="en-GB"/>
+              <a:rPr lang="en-US" smtClean="0"/>
               <a:t>Second level</a:t>
             </a:r>
           </a:p>
           <a:p>
             <a:pPr lvl="2"/>
             <a:r>
-              <a:rPr lang="en-GB"/>
+              <a:rPr lang="en-US" smtClean="0"/>
               <a:t>Third level</a:t>
             </a:r>
           </a:p>
           <a:p>
             <a:pPr lvl="3"/>
             <a:r>
-              <a:rPr lang="en-GB"/>
+              <a:rPr lang="en-US" smtClean="0"/>
               <a:t>Fourth level</a:t>
             </a:r>
           </a:p>
           <a:p>
             <a:pPr lvl="4"/>
             <a:r>
-              <a:rPr lang="en-GB"/>
+              <a:rPr lang="en-US" smtClean="0"/>
               <a:t>Fifth level</a:t>
             </a:r>
-            <a:endParaRPr lang="en-US"/>
-          </a:p>
-        </p:txBody>
-      </p:sp>
-      <p:sp>
-        <p:nvSpPr>
-          <p:cNvPr id="5" name="Text Placeholder 4">
-            <a:extLst>
-              <a:ext uri="{FF2B5EF4-FFF2-40B4-BE49-F238E27FC236}">
-                <a16:creationId xmlns:a16="http://schemas.microsoft.com/office/drawing/2014/main" id="{5C2CE4BD-78B8-22FD-DD56-DF8EE9EC9BD6}"/>
-              </a:ext>
-            </a:extLst>
-          </p:cNvPr>
+            <a:endParaRPr lang="en-US" dirty="0"/>
+          </a:p>
+        </p:txBody>
+      </p:sp>
+      <p:sp>
+        <p:nvSpPr>
+          <p:cNvPr id="5" name="Text Placeholder 4"/>
           <p:cNvSpPr>
             <a:spLocks noGrp="1"/>
           </p:cNvSpPr>
@@ -1693,16 +1720,26 @@
         </p:nvSpPr>
         <p:spPr>
           <a:xfrm>
-            <a:off x="6172200" y="1681163"/>
-            <a:ext cx="5183188" cy="823912"/>
+            <a:off x="6007608" y="2038435"/>
+            <a:ext cx="4663440" cy="722376"/>
           </a:xfrm>
         </p:spPr>
         <p:txBody>
-          <a:bodyPr anchor="b"/>
+          <a:bodyPr anchor="ctr">
+            <a:normAutofit/>
+          </a:bodyPr>
           <a:lstStyle>
             <a:lvl1pPr marL="0" indent="0">
               <a:buNone/>
-              <a:defRPr sz="2400" b="1"/>
+              <a:defRPr sz="2200" b="0" cap="all" baseline="0">
+                <a:solidFill>
+                  <a:schemeClr val="tx1">
+                    <a:lumMod val="85000"/>
+                    <a:lumOff val="15000"/>
+                  </a:schemeClr>
+                </a:solidFill>
+                <a:latin typeface="+mj-lt"/>
+              </a:defRPr>
             </a:lvl1pPr>
             <a:lvl2pPr marL="457200" indent="0">
               <a:buNone/>
@@ -1740,21 +1777,15 @@
           <a:p>
             <a:pPr lvl="0"/>
             <a:r>
-              <a:rPr lang="en-GB"/>
-              <a:t>Click to edit Master text styles</a:t>
-            </a:r>
-          </a:p>
-        </p:txBody>
-      </p:sp>
-      <p:sp>
-        <p:nvSpPr>
-          <p:cNvPr id="6" name="Content Placeholder 5">
-            <a:extLst>
-              <a:ext uri="{FF2B5EF4-FFF2-40B4-BE49-F238E27FC236}">
-                <a16:creationId xmlns:a16="http://schemas.microsoft.com/office/drawing/2014/main" id="{4CD4CE49-1D40-B332-BA30-CFE2B973B074}"/>
-              </a:ext>
-            </a:extLst>
-          </p:cNvPr>
+              <a:rPr lang="en-US" smtClean="0"/>
+              <a:t>Edit Master text styles</a:t>
+            </a:r>
+          </a:p>
+        </p:txBody>
+      </p:sp>
+      <p:sp>
+        <p:nvSpPr>
+          <p:cNvPr id="6" name="Content Placeholder 5"/>
           <p:cNvSpPr>
             <a:spLocks noGrp="1"/>
           </p:cNvSpPr>
@@ -1764,60 +1795,82 @@
         </p:nvSpPr>
         <p:spPr>
           <a:xfrm>
-            <a:off x="6172200" y="2505075"/>
-            <a:ext cx="5183188" cy="3684588"/>
+            <a:off x="6007608" y="2750990"/>
+            <a:ext cx="4663440" cy="3200400"/>
           </a:xfrm>
         </p:spPr>
         <p:txBody>
           <a:bodyPr/>
-          <a:lstStyle/>
+          <a:lstStyle>
+            <a:lvl1pPr>
+              <a:defRPr sz="2400"/>
+            </a:lvl1pPr>
+            <a:lvl2pPr>
+              <a:defRPr sz="2000"/>
+            </a:lvl2pPr>
+            <a:lvl3pPr>
+              <a:defRPr sz="1800"/>
+            </a:lvl3pPr>
+            <a:lvl4pPr>
+              <a:defRPr sz="1600"/>
+            </a:lvl4pPr>
+            <a:lvl5pPr>
+              <a:defRPr sz="1600"/>
+            </a:lvl5pPr>
+            <a:lvl6pPr>
+              <a:defRPr sz="1600"/>
+            </a:lvl6pPr>
+            <a:lvl7pPr>
+              <a:defRPr sz="1600"/>
+            </a:lvl7pPr>
+            <a:lvl8pPr>
+              <a:defRPr sz="1600"/>
+            </a:lvl8pPr>
+            <a:lvl9pPr>
+              <a:defRPr sz="1600"/>
+            </a:lvl9pPr>
+          </a:lstStyle>
           <a:p>
             <a:pPr lvl="0"/>
             <a:r>
-              <a:rPr lang="en-GB"/>
-              <a:t>Click to edit Master text styles</a:t>
+              <a:rPr lang="en-US" smtClean="0"/>
+              <a:t>Edit Master text styles</a:t>
             </a:r>
           </a:p>
           <a:p>
             <a:pPr lvl="1"/>
             <a:r>
-              <a:rPr lang="en-GB"/>
+              <a:rPr lang="en-US" smtClean="0"/>
               <a:t>Second level</a:t>
             </a:r>
           </a:p>
           <a:p>
             <a:pPr lvl="2"/>
             <a:r>
-              <a:rPr lang="en-GB"/>
+              <a:rPr lang="en-US" smtClean="0"/>
               <a:t>Third level</a:t>
             </a:r>
           </a:p>
           <a:p>
             <a:pPr lvl="3"/>
             <a:r>
-              <a:rPr lang="en-GB"/>
+              <a:rPr lang="en-US" smtClean="0"/>
               <a:t>Fourth level</a:t>
             </a:r>
           </a:p>
           <a:p>
             <a:pPr lvl="4"/>
             <a:r>
-              <a:rPr lang="en-GB"/>
+              <a:rPr lang="en-US" smtClean="0"/>
               <a:t>Fifth level</a:t>
             </a:r>
-            <a:endParaRPr lang="en-US"/>
-          </a:p>
-        </p:txBody>
-      </p:sp>
-      <p:sp>
-        <p:nvSpPr>
-          <p:cNvPr id="7" name="Date Placeholder 6">
-            <a:extLst>
-              <a:ext uri="{FF2B5EF4-FFF2-40B4-BE49-F238E27FC236}">
-                <a16:creationId xmlns:a16="http://schemas.microsoft.com/office/drawing/2014/main" id="{9800BC9F-C6A6-03AD-07D4-B43C7192FDE1}"/>
-              </a:ext>
-            </a:extLst>
-          </p:cNvPr>
+            <a:endParaRPr lang="en-US" dirty="0"/>
+          </a:p>
+        </p:txBody>
+      </p:sp>
+      <p:sp>
+        <p:nvSpPr>
+          <p:cNvPr id="7" name="Date Placeholder 6"/>
           <p:cNvSpPr>
             <a:spLocks noGrp="1"/>
           </p:cNvSpPr>
@@ -1832,7 +1885,7 @@
           <a:p>
             <a:fld id="{956B6FFA-8F20-6F45-A8A1-E68F9DB043F4}" type="datetimeFigureOut">
               <a:rPr lang="en-US" smtClean="0"/>
-              <a:t>7/17/23</a:t>
+              <a:t>7/18/2023</a:t>
             </a:fld>
             <a:endParaRPr lang="en-US"/>
           </a:p>
@@ -1840,13 +1893,7 @@
       </p:sp>
       <p:sp>
         <p:nvSpPr>
-          <p:cNvPr id="8" name="Footer Placeholder 7">
-            <a:extLst>
-              <a:ext uri="{FF2B5EF4-FFF2-40B4-BE49-F238E27FC236}">
-                <a16:creationId xmlns:a16="http://schemas.microsoft.com/office/drawing/2014/main" id="{FF207F60-63C8-D58F-19CF-F146189546F7}"/>
-              </a:ext>
-            </a:extLst>
-          </p:cNvPr>
+          <p:cNvPr id="8" name="Footer Placeholder 7"/>
           <p:cNvSpPr>
             <a:spLocks noGrp="1"/>
           </p:cNvSpPr>
@@ -1865,13 +1912,7 @@
       </p:sp>
       <p:sp>
         <p:nvSpPr>
-          <p:cNvPr id="9" name="Slide Number Placeholder 8">
-            <a:extLst>
-              <a:ext uri="{FF2B5EF4-FFF2-40B4-BE49-F238E27FC236}">
-                <a16:creationId xmlns:a16="http://schemas.microsoft.com/office/drawing/2014/main" id="{74E551F7-9422-DFFC-B7E7-F11F4D8ED0CF}"/>
-              </a:ext>
-            </a:extLst>
-          </p:cNvPr>
+          <p:cNvPr id="9" name="Slide Number Placeholder 8"/>
           <p:cNvSpPr>
             <a:spLocks noGrp="1"/>
           </p:cNvSpPr>
@@ -1895,13 +1936,20 @@
     </p:spTree>
     <p:extLst>
       <p:ext uri="{BB962C8B-B14F-4D97-AF65-F5344CB8AC3E}">
-        <p14:creationId xmlns:p14="http://schemas.microsoft.com/office/powerpoint/2010/main" val="1341867444"/>
+        <p14:creationId xmlns:p14="http://schemas.microsoft.com/office/powerpoint/2010/main" val="2651072317"/>
       </p:ext>
     </p:extLst>
   </p:cSld>
   <p:clrMapOvr>
     <a:masterClrMapping/>
   </p:clrMapOvr>
+  <p:timing>
+    <p:tnLst>
+      <p:par>
+        <p:cTn id="1" dur="indefinite" restart="never" nodeType="tmRoot"/>
+      </p:par>
+    </p:tnLst>
+  </p:timing>
 </p:sldLayout>
 </file>
 
@@ -1924,13 +1972,7 @@
       </p:grpSpPr>
       <p:sp>
         <p:nvSpPr>
-          <p:cNvPr id="2" name="Title 1">
-            <a:extLst>
-              <a:ext uri="{FF2B5EF4-FFF2-40B4-BE49-F238E27FC236}">
-                <a16:creationId xmlns:a16="http://schemas.microsoft.com/office/drawing/2014/main" id="{21FDA01F-5A34-5EE6-D645-0E876FCD44DC}"/>
-              </a:ext>
-            </a:extLst>
-          </p:cNvPr>
+          <p:cNvPr id="6" name="Title 5"/>
           <p:cNvSpPr>
             <a:spLocks noGrp="1"/>
           </p:cNvSpPr>
@@ -1944,22 +1986,16 @@
           <a:lstStyle/>
           <a:p>
             <a:r>
-              <a:rPr lang="en-GB"/>
+              <a:rPr lang="en-US" smtClean="0"/>
               <a:t>Click to edit Master title style</a:t>
             </a:r>
-            <a:endParaRPr lang="en-US"/>
-          </a:p>
-        </p:txBody>
-      </p:sp>
-      <p:sp>
-        <p:nvSpPr>
-          <p:cNvPr id="3" name="Date Placeholder 2">
-            <a:extLst>
-              <a:ext uri="{FF2B5EF4-FFF2-40B4-BE49-F238E27FC236}">
-                <a16:creationId xmlns:a16="http://schemas.microsoft.com/office/drawing/2014/main" id="{15DD3922-DC58-F256-8AF1-5998F2E0D809}"/>
-              </a:ext>
-            </a:extLst>
-          </p:cNvPr>
+            <a:endParaRPr lang="en-US" dirty="0"/>
+          </a:p>
+        </p:txBody>
+      </p:sp>
+      <p:sp>
+        <p:nvSpPr>
+          <p:cNvPr id="3" name="Date Placeholder 2"/>
           <p:cNvSpPr>
             <a:spLocks noGrp="1"/>
           </p:cNvSpPr>
@@ -1974,7 +2010,7 @@
           <a:p>
             <a:fld id="{956B6FFA-8F20-6F45-A8A1-E68F9DB043F4}" type="datetimeFigureOut">
               <a:rPr lang="en-US" smtClean="0"/>
-              <a:t>7/17/23</a:t>
+              <a:t>7/18/2023</a:t>
             </a:fld>
             <a:endParaRPr lang="en-US"/>
           </a:p>
@@ -1982,13 +2018,7 @@
       </p:sp>
       <p:sp>
         <p:nvSpPr>
-          <p:cNvPr id="4" name="Footer Placeholder 3">
-            <a:extLst>
-              <a:ext uri="{FF2B5EF4-FFF2-40B4-BE49-F238E27FC236}">
-                <a16:creationId xmlns:a16="http://schemas.microsoft.com/office/drawing/2014/main" id="{336355C0-DBF5-FEEA-409C-5EFE974E9050}"/>
-              </a:ext>
-            </a:extLst>
-          </p:cNvPr>
+          <p:cNvPr id="4" name="Footer Placeholder 3"/>
           <p:cNvSpPr>
             <a:spLocks noGrp="1"/>
           </p:cNvSpPr>
@@ -2007,13 +2037,7 @@
       </p:sp>
       <p:sp>
         <p:nvSpPr>
-          <p:cNvPr id="5" name="Slide Number Placeholder 4">
-            <a:extLst>
-              <a:ext uri="{FF2B5EF4-FFF2-40B4-BE49-F238E27FC236}">
-                <a16:creationId xmlns:a16="http://schemas.microsoft.com/office/drawing/2014/main" id="{1F46F5A1-D435-7C1B-F3AC-FED3AE38110D}"/>
-              </a:ext>
-            </a:extLst>
-          </p:cNvPr>
+          <p:cNvPr id="5" name="Slide Number Placeholder 4"/>
           <p:cNvSpPr>
             <a:spLocks noGrp="1"/>
           </p:cNvSpPr>
@@ -2037,13 +2061,20 @@
     </p:spTree>
     <p:extLst>
       <p:ext uri="{BB962C8B-B14F-4D97-AF65-F5344CB8AC3E}">
-        <p14:creationId xmlns:p14="http://schemas.microsoft.com/office/powerpoint/2010/main" val="1038872305"/>
+        <p14:creationId xmlns:p14="http://schemas.microsoft.com/office/powerpoint/2010/main" val="2139431048"/>
       </p:ext>
     </p:extLst>
   </p:cSld>
   <p:clrMapOvr>
     <a:masterClrMapping/>
   </p:clrMapOvr>
+  <p:timing>
+    <p:tnLst>
+      <p:par>
+        <p:cTn id="1" dur="indefinite" restart="never" nodeType="tmRoot"/>
+      </p:par>
+    </p:tnLst>
+  </p:timing>
 </p:sldLayout>
 </file>
 
@@ -2066,13 +2097,7 @@
       </p:grpSpPr>
       <p:sp>
         <p:nvSpPr>
-          <p:cNvPr id="2" name="Date Placeholder 1">
-            <a:extLst>
-              <a:ext uri="{FF2B5EF4-FFF2-40B4-BE49-F238E27FC236}">
-                <a16:creationId xmlns:a16="http://schemas.microsoft.com/office/drawing/2014/main" id="{F2F65294-D288-38F4-2208-29ABF8CB8049}"/>
-              </a:ext>
-            </a:extLst>
-          </p:cNvPr>
+          <p:cNvPr id="2" name="Date Placeholder 1"/>
           <p:cNvSpPr>
             <a:spLocks noGrp="1"/>
           </p:cNvSpPr>
@@ -2087,7 +2112,7 @@
           <a:p>
             <a:fld id="{956B6FFA-8F20-6F45-A8A1-E68F9DB043F4}" type="datetimeFigureOut">
               <a:rPr lang="en-US" smtClean="0"/>
-              <a:t>7/17/23</a:t>
+              <a:t>7/18/2023</a:t>
             </a:fld>
             <a:endParaRPr lang="en-US"/>
           </a:p>
@@ -2095,13 +2120,7 @@
       </p:sp>
       <p:sp>
         <p:nvSpPr>
-          <p:cNvPr id="3" name="Footer Placeholder 2">
-            <a:extLst>
-              <a:ext uri="{FF2B5EF4-FFF2-40B4-BE49-F238E27FC236}">
-                <a16:creationId xmlns:a16="http://schemas.microsoft.com/office/drawing/2014/main" id="{B9A7AC03-023B-1D9F-EBAC-258808C5C374}"/>
-              </a:ext>
-            </a:extLst>
-          </p:cNvPr>
+          <p:cNvPr id="3" name="Footer Placeholder 2"/>
           <p:cNvSpPr>
             <a:spLocks noGrp="1"/>
           </p:cNvSpPr>
@@ -2120,13 +2139,7 @@
       </p:sp>
       <p:sp>
         <p:nvSpPr>
-          <p:cNvPr id="4" name="Slide Number Placeholder 3">
-            <a:extLst>
-              <a:ext uri="{FF2B5EF4-FFF2-40B4-BE49-F238E27FC236}">
-                <a16:creationId xmlns:a16="http://schemas.microsoft.com/office/drawing/2014/main" id="{157BEE36-F43C-7A01-C8C6-2737C1E556CB}"/>
-              </a:ext>
-            </a:extLst>
-          </p:cNvPr>
+          <p:cNvPr id="4" name="Slide Number Placeholder 3"/>
           <p:cNvSpPr>
             <a:spLocks noGrp="1"/>
           </p:cNvSpPr>
@@ -2150,13 +2163,20 @@
     </p:spTree>
     <p:extLst>
       <p:ext uri="{BB962C8B-B14F-4D97-AF65-F5344CB8AC3E}">
-        <p14:creationId xmlns:p14="http://schemas.microsoft.com/office/powerpoint/2010/main" val="390375333"/>
+        <p14:creationId xmlns:p14="http://schemas.microsoft.com/office/powerpoint/2010/main" val="3436300468"/>
       </p:ext>
     </p:extLst>
   </p:cSld>
   <p:clrMapOvr>
     <a:masterClrMapping/>
   </p:clrMapOvr>
+  <p:timing>
+    <p:tnLst>
+      <p:par>
+        <p:cTn id="1" dur="indefinite" restart="never" nodeType="tmRoot"/>
+      </p:par>
+    </p:tnLst>
+  </p:timing>
 </p:sldLayout>
 </file>
 
@@ -2179,51 +2199,83 @@
       </p:grpSpPr>
       <p:sp>
         <p:nvSpPr>
-          <p:cNvPr id="2" name="Title 1">
-            <a:extLst>
-              <a:ext uri="{FF2B5EF4-FFF2-40B4-BE49-F238E27FC236}">
-                <a16:creationId xmlns:a16="http://schemas.microsoft.com/office/drawing/2014/main" id="{A0004A33-3EF6-1AD8-408B-00BA0BD0AE59}"/>
-              </a:ext>
-            </a:extLst>
-          </p:cNvPr>
-          <p:cNvSpPr>
-            <a:spLocks noGrp="1"/>
-          </p:cNvSpPr>
-          <p:nvPr>
-            <p:ph type="title"/>
-          </p:nvPr>
+          <p:cNvPr id="2" name="Rectangle 1"/>
+          <p:cNvSpPr/>
+          <p:nvPr/>
         </p:nvSpPr>
         <p:spPr>
           <a:xfrm>
-            <a:off x="839788" y="457200"/>
-            <a:ext cx="3932237" cy="1600200"/>
+            <a:off x="7620000" y="0"/>
+            <a:ext cx="4572000" cy="6858000"/>
+          </a:xfrm>
+          <a:prstGeom prst="rect">
+            <a:avLst/>
+          </a:prstGeom>
+          <a:ln>
+            <a:noFill/>
+          </a:ln>
+        </p:spPr>
+        <p:style>
+          <a:lnRef idx="2">
+            <a:schemeClr val="accent1">
+              <a:shade val="50000"/>
+            </a:schemeClr>
+          </a:lnRef>
+          <a:fillRef idx="1">
+            <a:schemeClr val="accent1"/>
+          </a:fillRef>
+          <a:effectRef idx="0">
+            <a:schemeClr val="accent1"/>
+          </a:effectRef>
+          <a:fontRef idx="minor">
+            <a:schemeClr val="lt1"/>
+          </a:fontRef>
+        </p:style>
+      </p:sp>
+      <p:sp>
+        <p:nvSpPr>
+          <p:cNvPr id="9" name="Title 8"/>
+          <p:cNvSpPr>
+            <a:spLocks noGrp="1"/>
+          </p:cNvSpPr>
+          <p:nvPr>
+            <p:ph type="title"/>
+          </p:nvPr>
+        </p:nvSpPr>
+        <p:spPr>
+          <a:xfrm>
+            <a:off x="8261404" y="542282"/>
+            <a:ext cx="3383280" cy="1920240"/>
           </a:xfrm>
         </p:spPr>
         <p:txBody>
-          <a:bodyPr anchor="b"/>
+          <a:bodyPr anchor="b">
+            <a:noAutofit/>
+          </a:bodyPr>
           <a:lstStyle>
             <a:lvl1pPr>
-              <a:defRPr sz="3200"/>
+              <a:lnSpc>
+                <a:spcPct val="85000"/>
+              </a:lnSpc>
+              <a:defRPr sz="4000">
+                <a:solidFill>
+                  <a:srgbClr val="FFFFFF"/>
+                </a:solidFill>
+              </a:defRPr>
             </a:lvl1pPr>
           </a:lstStyle>
           <a:p>
             <a:r>
-              <a:rPr lang="en-GB"/>
+              <a:rPr lang="en-US" smtClean="0"/>
               <a:t>Click to edit Master title style</a:t>
             </a:r>
-            <a:endParaRPr lang="en-US"/>
-          </a:p>
-        </p:txBody>
-      </p:sp>
-      <p:sp>
-        <p:nvSpPr>
-          <p:cNvPr id="3" name="Content Placeholder 2">
-            <a:extLst>
-              <a:ext uri="{FF2B5EF4-FFF2-40B4-BE49-F238E27FC236}">
-                <a16:creationId xmlns:a16="http://schemas.microsoft.com/office/drawing/2014/main" id="{C4268585-935B-B14D-4DC0-9969980D9F79}"/>
-              </a:ext>
-            </a:extLst>
-          </p:cNvPr>
+            <a:endParaRPr lang="en-US" dirty="0"/>
+          </a:p>
+        </p:txBody>
+      </p:sp>
+      <p:sp>
+        <p:nvSpPr>
+          <p:cNvPr id="3" name="Content Placeholder 2"/>
           <p:cNvSpPr>
             <a:spLocks noGrp="1"/>
           </p:cNvSpPr>
@@ -2233,8 +2285,8 @@
         </p:nvSpPr>
         <p:spPr>
           <a:xfrm>
-            <a:off x="5183188" y="987425"/>
-            <a:ext cx="6172200" cy="4873625"/>
+            <a:off x="762000" y="762000"/>
+            <a:ext cx="6096000" cy="4572000"/>
           </a:xfrm>
         </p:spPr>
         <p:txBody>
@@ -2271,50 +2323,44 @@
           <a:p>
             <a:pPr lvl="0"/>
             <a:r>
-              <a:rPr lang="en-GB"/>
-              <a:t>Click to edit Master text styles</a:t>
+              <a:rPr lang="en-US" smtClean="0"/>
+              <a:t>Edit Master text styles</a:t>
             </a:r>
           </a:p>
           <a:p>
             <a:pPr lvl="1"/>
             <a:r>
-              <a:rPr lang="en-GB"/>
+              <a:rPr lang="en-US" smtClean="0"/>
               <a:t>Second level</a:t>
             </a:r>
           </a:p>
           <a:p>
             <a:pPr lvl="2"/>
             <a:r>
-              <a:rPr lang="en-GB"/>
+              <a:rPr lang="en-US" smtClean="0"/>
               <a:t>Third level</a:t>
             </a:r>
           </a:p>
           <a:p>
             <a:pPr lvl="3"/>
             <a:r>
-              <a:rPr lang="en-GB"/>
+              <a:rPr lang="en-US" smtClean="0"/>
               <a:t>Fourth level</a:t>
             </a:r>
           </a:p>
           <a:p>
             <a:pPr lvl="4"/>
             <a:r>
-              <a:rPr lang="en-GB"/>
+              <a:rPr lang="en-US" smtClean="0"/>
               <a:t>Fifth level</a:t>
             </a:r>
-            <a:endParaRPr lang="en-US"/>
-          </a:p>
-        </p:txBody>
-      </p:sp>
-      <p:sp>
-        <p:nvSpPr>
-          <p:cNvPr id="4" name="Text Placeholder 3">
-            <a:extLst>
-              <a:ext uri="{FF2B5EF4-FFF2-40B4-BE49-F238E27FC236}">
-                <a16:creationId xmlns:a16="http://schemas.microsoft.com/office/drawing/2014/main" id="{99181A33-8825-4CFB-E0AF-7EFB00E85447}"/>
-              </a:ext>
-            </a:extLst>
-          </p:cNvPr>
+            <a:endParaRPr lang="en-US" dirty="0"/>
+          </a:p>
+        </p:txBody>
+      </p:sp>
+      <p:sp>
+        <p:nvSpPr>
+          <p:cNvPr id="4" name="Text Placeholder 3"/>
           <p:cNvSpPr>
             <a:spLocks noGrp="1"/>
           </p:cNvSpPr>
@@ -2324,68 +2370,97 @@
         </p:nvSpPr>
         <p:spPr>
           <a:xfrm>
-            <a:off x="839788" y="2057400"/>
-            <a:ext cx="3932237" cy="3811588"/>
+            <a:off x="8275982" y="2511813"/>
+            <a:ext cx="3398520" cy="3126987"/>
           </a:xfrm>
         </p:spPr>
         <p:txBody>
-          <a:bodyPr/>
+          <a:bodyPr>
+            <a:normAutofit/>
+          </a:bodyPr>
           <a:lstStyle>
-            <a:lvl1pPr marL="0" indent="0">
-              <a:buNone/>
-              <a:defRPr sz="1600"/>
+            <a:lvl1pPr marL="0" marR="0" indent="0" algn="l" defTabSz="914400" rtl="0" eaLnBrk="1" fontAlgn="auto" latinLnBrk="0" hangingPunct="1">
+              <a:lnSpc>
+                <a:spcPct val="100000"/>
+              </a:lnSpc>
+              <a:spcBef>
+                <a:spcPts val="1200"/>
+              </a:spcBef>
+              <a:spcAft>
+                <a:spcPts val="0"/>
+              </a:spcAft>
+              <a:buClrTx/>
+              <a:buSzTx/>
+              <a:buFontTx/>
+              <a:buNone/>
+              <a:tabLst/>
+              <a:defRPr sz="1800">
+                <a:solidFill>
+                  <a:srgbClr val="262626"/>
+                </a:solidFill>
+              </a:defRPr>
             </a:lvl1pPr>
             <a:lvl2pPr marL="457200" indent="0">
               <a:buNone/>
-              <a:defRPr sz="1400"/>
+              <a:defRPr sz="1200"/>
             </a:lvl2pPr>
             <a:lvl3pPr marL="914400" indent="0">
               <a:buNone/>
-              <a:defRPr sz="1200"/>
+              <a:defRPr sz="1000"/>
             </a:lvl3pPr>
             <a:lvl4pPr marL="1371600" indent="0">
               <a:buNone/>
-              <a:defRPr sz="1000"/>
+              <a:defRPr sz="900"/>
             </a:lvl4pPr>
             <a:lvl5pPr marL="1828800" indent="0">
               <a:buNone/>
-              <a:defRPr sz="1000"/>
+              <a:defRPr sz="900"/>
             </a:lvl5pPr>
             <a:lvl6pPr marL="2286000" indent="0">
               <a:buNone/>
-              <a:defRPr sz="1000"/>
+              <a:defRPr sz="900"/>
             </a:lvl6pPr>
             <a:lvl7pPr marL="2743200" indent="0">
               <a:buNone/>
-              <a:defRPr sz="1000"/>
+              <a:defRPr sz="900"/>
             </a:lvl7pPr>
             <a:lvl8pPr marL="3200400" indent="0">
               <a:buNone/>
-              <a:defRPr sz="1000"/>
+              <a:defRPr sz="900"/>
             </a:lvl8pPr>
             <a:lvl9pPr marL="3657600" indent="0">
               <a:buNone/>
-              <a:defRPr sz="1000"/>
+              <a:defRPr sz="900"/>
             </a:lvl9pPr>
           </a:lstStyle>
           <a:p>
-            <a:pPr lvl="0"/>
-            <a:r>
-              <a:rPr lang="en-GB"/>
-              <a:t>Click to edit Master text styles</a:t>
-            </a:r>
-          </a:p>
-        </p:txBody>
-      </p:sp>
-      <p:sp>
-        <p:nvSpPr>
-          <p:cNvPr id="5" name="Date Placeholder 4">
-            <a:extLst>
-              <a:ext uri="{FF2B5EF4-FFF2-40B4-BE49-F238E27FC236}">
-                <a16:creationId xmlns:a16="http://schemas.microsoft.com/office/drawing/2014/main" id="{D1C7A7FF-7C13-4302-0CED-82A68BB1DD7A}"/>
-              </a:ext>
-            </a:extLst>
-          </p:cNvPr>
+            <a:pPr marL="0" marR="0" lvl="0" indent="0" algn="l" defTabSz="914400" rtl="0" eaLnBrk="1" fontAlgn="auto" latinLnBrk="0" hangingPunct="1">
+              <a:lnSpc>
+                <a:spcPct val="100000"/>
+              </a:lnSpc>
+              <a:spcBef>
+                <a:spcPts val="1400"/>
+              </a:spcBef>
+              <a:spcAft>
+                <a:spcPts val="0"/>
+              </a:spcAft>
+              <a:buClrTx/>
+              <a:buSzTx/>
+              <a:buFontTx/>
+              <a:buNone/>
+              <a:tabLst/>
+              <a:defRPr/>
+            </a:pPr>
+            <a:r>
+              <a:rPr lang="en-US" smtClean="0"/>
+              <a:t>Edit Master text styles</a:t>
+            </a:r>
+          </a:p>
+        </p:txBody>
+      </p:sp>
+      <p:sp>
+        <p:nvSpPr>
+          <p:cNvPr id="5" name="Date Placeholder 4"/>
           <p:cNvSpPr>
             <a:spLocks noGrp="1"/>
           </p:cNvSpPr>
@@ -2400,7 +2475,7 @@
           <a:p>
             <a:fld id="{956B6FFA-8F20-6F45-A8A1-E68F9DB043F4}" type="datetimeFigureOut">
               <a:rPr lang="en-US" smtClean="0"/>
-              <a:t>7/17/23</a:t>
+              <a:t>7/18/2023</a:t>
             </a:fld>
             <a:endParaRPr lang="en-US"/>
           </a:p>
@@ -2408,13 +2483,7 @@
       </p:sp>
       <p:sp>
         <p:nvSpPr>
-          <p:cNvPr id="6" name="Footer Placeholder 5">
-            <a:extLst>
-              <a:ext uri="{FF2B5EF4-FFF2-40B4-BE49-F238E27FC236}">
-                <a16:creationId xmlns:a16="http://schemas.microsoft.com/office/drawing/2014/main" id="{ABE82DC9-34C3-C776-0406-34FF35813256}"/>
-              </a:ext>
-            </a:extLst>
-          </p:cNvPr>
+          <p:cNvPr id="6" name="Footer Placeholder 5"/>
           <p:cNvSpPr>
             <a:spLocks noGrp="1"/>
           </p:cNvSpPr>
@@ -2433,13 +2502,7 @@
       </p:sp>
       <p:sp>
         <p:nvSpPr>
-          <p:cNvPr id="7" name="Slide Number Placeholder 6">
-            <a:extLst>
-              <a:ext uri="{FF2B5EF4-FFF2-40B4-BE49-F238E27FC236}">
-                <a16:creationId xmlns:a16="http://schemas.microsoft.com/office/drawing/2014/main" id="{AA134588-5076-CBCD-82D3-ABBB2D383D98}"/>
-              </a:ext>
-            </a:extLst>
-          </p:cNvPr>
+          <p:cNvPr id="7" name="Slide Number Placeholder 6"/>
           <p:cNvSpPr>
             <a:spLocks noGrp="1"/>
           </p:cNvSpPr>
@@ -2450,7 +2513,17 @@
         <p:spPr/>
         <p:txBody>
           <a:bodyPr/>
-          <a:lstStyle/>
+          <a:lstStyle>
+            <a:lvl1pPr>
+              <a:defRPr>
+                <a:solidFill>
+                  <a:srgbClr val="FFFFFF">
+                    <a:alpha val="20000"/>
+                  </a:srgbClr>
+                </a:solidFill>
+              </a:defRPr>
+            </a:lvl1pPr>
+          </a:lstStyle>
           <a:p>
             <a:fld id="{3BF09D8A-6DB1-0746-A68B-BD44AD740954}" type="slidenum">
               <a:rPr lang="en-US" smtClean="0"/>
@@ -2463,19 +2536,34 @@
     </p:spTree>
     <p:extLst>
       <p:ext uri="{BB962C8B-B14F-4D97-AF65-F5344CB8AC3E}">
-        <p14:creationId xmlns:p14="http://schemas.microsoft.com/office/powerpoint/2010/main" val="3118688366"/>
+        <p14:creationId xmlns:p14="http://schemas.microsoft.com/office/powerpoint/2010/main" val="3658515716"/>
       </p:ext>
     </p:extLst>
   </p:cSld>
   <p:clrMapOvr>
     <a:masterClrMapping/>
   </p:clrMapOvr>
+  <p:timing>
+    <p:tnLst>
+      <p:par>
+        <p:cTn id="1" dur="indefinite" restart="never" nodeType="tmRoot"/>
+      </p:par>
+    </p:tnLst>
+  </p:timing>
 </p:sldLayout>
 </file>
 
 <file path=ppt/slideLayouts/slideLayout9.xml><?xml version="1.0" encoding="utf-8"?>
 <p:sldLayout xmlns:a="http://schemas.openxmlformats.org/drawingml/2006/main" xmlns:r="http://schemas.openxmlformats.org/officeDocument/2006/relationships" xmlns:p="http://schemas.openxmlformats.org/presentationml/2006/main" type="picTx" preserve="1">
   <p:cSld name="Picture with Caption">
+    <p:bg>
+      <p:bgPr>
+        <a:solidFill>
+          <a:schemeClr val="accent1"/>
+        </a:solidFill>
+        <a:effectLst/>
+      </p:bgPr>
+    </p:bg>
     <p:spTree>
       <p:nvGrpSpPr>
         <p:cNvPr id="1" name=""/>
@@ -2492,13 +2580,7 @@
       </p:grpSpPr>
       <p:sp>
         <p:nvSpPr>
-          <p:cNvPr id="2" name="Title 1">
-            <a:extLst>
-              <a:ext uri="{FF2B5EF4-FFF2-40B4-BE49-F238E27FC236}">
-                <a16:creationId xmlns:a16="http://schemas.microsoft.com/office/drawing/2014/main" id="{D861C4DF-E80D-9877-CCEC-6D912EBDCE62}"/>
-              </a:ext>
-            </a:extLst>
-          </p:cNvPr>
+          <p:cNvPr id="2" name="Title 1"/>
           <p:cNvSpPr>
             <a:spLocks noGrp="1"/>
           </p:cNvSpPr>
@@ -2508,37 +2590,37 @@
         </p:nvSpPr>
         <p:spPr>
           <a:xfrm>
-            <a:off x="839788" y="457200"/>
-            <a:ext cx="3932237" cy="1600200"/>
+            <a:off x="649224" y="5418667"/>
+            <a:ext cx="10780776" cy="613283"/>
           </a:xfrm>
         </p:spPr>
         <p:txBody>
-          <a:bodyPr anchor="b"/>
+          <a:bodyPr anchor="b">
+            <a:normAutofit/>
+          </a:bodyPr>
           <a:lstStyle>
             <a:lvl1pPr>
-              <a:defRPr sz="3200"/>
+              <a:defRPr sz="3200" b="0">
+                <a:solidFill>
+                  <a:srgbClr val="FFFFFF"/>
+                </a:solidFill>
+              </a:defRPr>
             </a:lvl1pPr>
           </a:lstStyle>
           <a:p>
             <a:r>
-              <a:rPr lang="en-GB"/>
+              <a:rPr lang="en-US" smtClean="0"/>
               <a:t>Click to edit Master title style</a:t>
             </a:r>
-            <a:endParaRPr lang="en-US"/>
-          </a:p>
-        </p:txBody>
-      </p:sp>
-      <p:sp>
-        <p:nvSpPr>
-          <p:cNvPr id="3" name="Picture Placeholder 2">
-            <a:extLst>
-              <a:ext uri="{FF2B5EF4-FFF2-40B4-BE49-F238E27FC236}">
-                <a16:creationId xmlns:a16="http://schemas.microsoft.com/office/drawing/2014/main" id="{9302485B-7645-59F4-4503-C1F46B92A64F}"/>
-              </a:ext>
-            </a:extLst>
-          </p:cNvPr>
-          <p:cNvSpPr>
-            <a:spLocks noGrp="1"/>
+            <a:endParaRPr lang="en-US" dirty="0"/>
+          </a:p>
+        </p:txBody>
+      </p:sp>
+      <p:sp>
+        <p:nvSpPr>
+          <p:cNvPr id="3" name="Picture Placeholder 2"/>
+          <p:cNvSpPr>
+            <a:spLocks noGrp="1" noChangeAspect="1"/>
           </p:cNvSpPr>
           <p:nvPr>
             <p:ph type="pic" idx="1"/>
@@ -2546,16 +2628,32 @@
         </p:nvSpPr>
         <p:spPr>
           <a:xfrm>
-            <a:off x="5183188" y="987425"/>
-            <a:ext cx="6172200" cy="4873625"/>
+            <a:off x="0" y="0"/>
+            <a:ext cx="12192000" cy="5330952"/>
           </a:xfrm>
+          <a:solidFill>
+            <a:schemeClr val="accent1">
+              <a:lumMod val="40000"/>
+              <a:lumOff val="60000"/>
+            </a:schemeClr>
+          </a:solidFill>
         </p:spPr>
         <p:txBody>
-          <a:bodyPr/>
+          <a:bodyPr anchor="t"/>
           <a:lstStyle>
-            <a:lvl1pPr marL="0" indent="0">
-              <a:buNone/>
-              <a:defRPr sz="3200"/>
+            <a:lvl1pPr marL="0" indent="0" algn="ctr">
+              <a:spcBef>
+                <a:spcPts val="800"/>
+              </a:spcBef>
+              <a:buNone/>
+              <a:defRPr sz="3200">
+                <a:solidFill>
+                  <a:schemeClr val="tx1">
+                    <a:lumMod val="75000"/>
+                    <a:lumOff val="25000"/>
+                  </a:schemeClr>
+                </a:solidFill>
+              </a:defRPr>
             </a:lvl1pPr>
             <a:lvl2pPr marL="457200" indent="0">
               <a:buNone/>
@@ -2591,19 +2689,17 @@
             </a:lvl9pPr>
           </a:lstStyle>
           <a:p>
-            <a:endParaRPr lang="en-US"/>
-          </a:p>
-        </p:txBody>
-      </p:sp>
-      <p:sp>
-        <p:nvSpPr>
-          <p:cNvPr id="4" name="Text Placeholder 3">
-            <a:extLst>
-              <a:ext uri="{FF2B5EF4-FFF2-40B4-BE49-F238E27FC236}">
-                <a16:creationId xmlns:a16="http://schemas.microsoft.com/office/drawing/2014/main" id="{7D09A7AB-DAFC-0E38-0B73-7A677F5B7BBA}"/>
-              </a:ext>
-            </a:extLst>
-          </p:cNvPr>
+            <a:r>
+              <a:rPr lang="en-US" smtClean="0"/>
+              <a:t>Click icon to add picture</a:t>
+            </a:r>
+            <a:endParaRPr lang="en-US" dirty="0"/>
+          </a:p>
+        </p:txBody>
+      </p:sp>
+      <p:sp>
+        <p:nvSpPr>
+          <p:cNvPr id="4" name="Text Placeholder 3"/>
           <p:cNvSpPr>
             <a:spLocks noGrp="1"/>
           </p:cNvSpPr>
@@ -2613,68 +2709,71 @@
         </p:nvSpPr>
         <p:spPr>
           <a:xfrm>
-            <a:off x="839788" y="2057400"/>
-            <a:ext cx="3932237" cy="3811588"/>
+            <a:off x="676656" y="5909735"/>
+            <a:ext cx="9229344" cy="533400"/>
           </a:xfrm>
         </p:spPr>
         <p:txBody>
-          <a:bodyPr/>
+          <a:bodyPr>
+            <a:normAutofit/>
+          </a:bodyPr>
           <a:lstStyle>
             <a:lvl1pPr marL="0" indent="0">
-              <a:buNone/>
-              <a:defRPr sz="1600"/>
+              <a:lnSpc>
+                <a:spcPct val="90000"/>
+              </a:lnSpc>
+              <a:buNone/>
+              <a:defRPr sz="1400">
+                <a:solidFill>
+                  <a:srgbClr val="262626"/>
+                </a:solidFill>
+              </a:defRPr>
             </a:lvl1pPr>
             <a:lvl2pPr marL="457200" indent="0">
               <a:buNone/>
-              <a:defRPr sz="1400"/>
+              <a:defRPr sz="1200"/>
             </a:lvl2pPr>
             <a:lvl3pPr marL="914400" indent="0">
               <a:buNone/>
-              <a:defRPr sz="1200"/>
+              <a:defRPr sz="1000"/>
             </a:lvl3pPr>
             <a:lvl4pPr marL="1371600" indent="0">
               <a:buNone/>
-              <a:defRPr sz="1000"/>
+              <a:defRPr sz="900"/>
             </a:lvl4pPr>
             <a:lvl5pPr marL="1828800" indent="0">
               <a:buNone/>
-              <a:defRPr sz="1000"/>
+              <a:defRPr sz="900"/>
             </a:lvl5pPr>
             <a:lvl6pPr marL="2286000" indent="0">
               <a:buNone/>
-              <a:defRPr sz="1000"/>
+              <a:defRPr sz="900"/>
             </a:lvl6pPr>
             <a:lvl7pPr marL="2743200" indent="0">
               <a:buNone/>
-              <a:defRPr sz="1000"/>
+              <a:defRPr sz="900"/>
             </a:lvl7pPr>
             <a:lvl8pPr marL="3200400" indent="0">
               <a:buNone/>
-              <a:defRPr sz="1000"/>
+              <a:defRPr sz="900"/>
             </a:lvl8pPr>
             <a:lvl9pPr marL="3657600" indent="0">
               <a:buNone/>
-              <a:defRPr sz="1000"/>
+              <a:defRPr sz="900"/>
             </a:lvl9pPr>
           </a:lstStyle>
           <a:p>
             <a:pPr lvl="0"/>
             <a:r>
-              <a:rPr lang="en-GB"/>
-              <a:t>Click to edit Master text styles</a:t>
-            </a:r>
-          </a:p>
-        </p:txBody>
-      </p:sp>
-      <p:sp>
-        <p:nvSpPr>
-          <p:cNvPr id="5" name="Date Placeholder 4">
-            <a:extLst>
-              <a:ext uri="{FF2B5EF4-FFF2-40B4-BE49-F238E27FC236}">
-                <a16:creationId xmlns:a16="http://schemas.microsoft.com/office/drawing/2014/main" id="{9C9C491C-2EE8-FC6E-61BC-9D6D11ED0D4B}"/>
-              </a:ext>
-            </a:extLst>
-          </p:cNvPr>
+              <a:rPr lang="en-US" smtClean="0"/>
+              <a:t>Edit Master text styles</a:t>
+            </a:r>
+          </a:p>
+        </p:txBody>
+      </p:sp>
+      <p:sp>
+        <p:nvSpPr>
+          <p:cNvPr id="12" name="Date Placeholder 11"/>
           <p:cNvSpPr>
             <a:spLocks noGrp="1"/>
           </p:cNvSpPr>
@@ -2685,11 +2784,21 @@
         <p:spPr/>
         <p:txBody>
           <a:bodyPr/>
-          <a:lstStyle/>
+          <a:lstStyle>
+            <a:lvl1pPr>
+              <a:defRPr>
+                <a:solidFill>
+                  <a:srgbClr val="FFFFFF">
+                    <a:alpha val="80000"/>
+                  </a:srgbClr>
+                </a:solidFill>
+              </a:defRPr>
+            </a:lvl1pPr>
+          </a:lstStyle>
           <a:p>
             <a:fld id="{956B6FFA-8F20-6F45-A8A1-E68F9DB043F4}" type="datetimeFigureOut">
               <a:rPr lang="en-US" smtClean="0"/>
-              <a:t>7/17/23</a:t>
+              <a:t>7/18/2023</a:t>
             </a:fld>
             <a:endParaRPr lang="en-US"/>
           </a:p>
@@ -2697,13 +2806,7 @@
       </p:sp>
       <p:sp>
         <p:nvSpPr>
-          <p:cNvPr id="6" name="Footer Placeholder 5">
-            <a:extLst>
-              <a:ext uri="{FF2B5EF4-FFF2-40B4-BE49-F238E27FC236}">
-                <a16:creationId xmlns:a16="http://schemas.microsoft.com/office/drawing/2014/main" id="{CCA18D17-21A9-A3A2-F6FE-A16D1AA75027}"/>
-              </a:ext>
-            </a:extLst>
-          </p:cNvPr>
+          <p:cNvPr id="13" name="Footer Placeholder 12"/>
           <p:cNvSpPr>
             <a:spLocks noGrp="1"/>
           </p:cNvSpPr>
@@ -2714,7 +2817,17 @@
         <p:spPr/>
         <p:txBody>
           <a:bodyPr/>
-          <a:lstStyle/>
+          <a:lstStyle>
+            <a:lvl1pPr>
+              <a:defRPr>
+                <a:solidFill>
+                  <a:srgbClr val="FFFFFF">
+                    <a:alpha val="80000"/>
+                  </a:srgbClr>
+                </a:solidFill>
+              </a:defRPr>
+            </a:lvl1pPr>
+          </a:lstStyle>
           <a:p>
             <a:endParaRPr lang="en-US"/>
           </a:p>
@@ -2722,13 +2835,7 @@
       </p:sp>
       <p:sp>
         <p:nvSpPr>
-          <p:cNvPr id="7" name="Slide Number Placeholder 6">
-            <a:extLst>
-              <a:ext uri="{FF2B5EF4-FFF2-40B4-BE49-F238E27FC236}">
-                <a16:creationId xmlns:a16="http://schemas.microsoft.com/office/drawing/2014/main" id="{C2D64E4C-28BB-3A3D-C167-D109A400C596}"/>
-              </a:ext>
-            </a:extLst>
-          </p:cNvPr>
+          <p:cNvPr id="14" name="Slide Number Placeholder 13"/>
           <p:cNvSpPr>
             <a:spLocks noGrp="1"/>
           </p:cNvSpPr>
@@ -2739,7 +2846,17 @@
         <p:spPr/>
         <p:txBody>
           <a:bodyPr/>
-          <a:lstStyle/>
+          <a:lstStyle>
+            <a:lvl1pPr>
+              <a:defRPr>
+                <a:solidFill>
+                  <a:srgbClr val="FFFFFF">
+                    <a:alpha val="25000"/>
+                  </a:srgbClr>
+                </a:solidFill>
+              </a:defRPr>
+            </a:lvl1pPr>
+          </a:lstStyle>
           <a:p>
             <a:fld id="{3BF09D8A-6DB1-0746-A68B-BD44AD740954}" type="slidenum">
               <a:rPr lang="en-US" smtClean="0"/>
@@ -2752,13 +2869,20 @@
     </p:spTree>
     <p:extLst>
       <p:ext uri="{BB962C8B-B14F-4D97-AF65-F5344CB8AC3E}">
-        <p14:creationId xmlns:p14="http://schemas.microsoft.com/office/powerpoint/2010/main" val="2591790891"/>
+        <p14:creationId xmlns:p14="http://schemas.microsoft.com/office/powerpoint/2010/main" val="2000760612"/>
       </p:ext>
     </p:extLst>
   </p:cSld>
   <p:clrMapOvr>
-    <a:masterClrMapping/>
+    <a:overrideClrMapping bg1="lt1" tx1="dk1" bg2="lt2" tx2="dk2" accent1="accent1" accent2="accent2" accent3="accent3" accent4="accent4" accent5="accent5" accent6="accent6" hlink="hlink" folHlink="folHlink"/>
   </p:clrMapOvr>
+  <p:timing>
+    <p:tnLst>
+      <p:par>
+        <p:cTn id="1" dur="indefinite" restart="never" nodeType="tmRoot"/>
+      </p:par>
+    </p:tnLst>
+  </p:timing>
 </p:sldLayout>
 </file>
 
@@ -2786,13 +2910,7 @@
       </p:grpSpPr>
       <p:sp>
         <p:nvSpPr>
-          <p:cNvPr id="2" name="Title Placeholder 1">
-            <a:extLst>
-              <a:ext uri="{FF2B5EF4-FFF2-40B4-BE49-F238E27FC236}">
-                <a16:creationId xmlns:a16="http://schemas.microsoft.com/office/drawing/2014/main" id="{61414267-0222-DC92-6BEE-4395922A7A17}"/>
-              </a:ext>
-            </a:extLst>
-          </p:cNvPr>
+          <p:cNvPr id="2" name="Title Placeholder 1"/>
           <p:cNvSpPr>
             <a:spLocks noGrp="1"/>
           </p:cNvSpPr>
@@ -2802,8 +2920,8 @@
         </p:nvSpPr>
         <p:spPr>
           <a:xfrm>
-            <a:off x="838200" y="365125"/>
-            <a:ext cx="10515600" cy="1325563"/>
+            <a:off x="657224" y="499533"/>
+            <a:ext cx="10772775" cy="1658198"/>
           </a:xfrm>
           <a:prstGeom prst="rect">
             <a:avLst/>
@@ -2816,22 +2934,16 @@
           <a:lstStyle/>
           <a:p>
             <a:r>
-              <a:rPr lang="en-GB"/>
+              <a:rPr lang="en-US" smtClean="0"/>
               <a:t>Click to edit Master title style</a:t>
             </a:r>
-            <a:endParaRPr lang="en-US"/>
-          </a:p>
-        </p:txBody>
-      </p:sp>
-      <p:sp>
-        <p:nvSpPr>
-          <p:cNvPr id="3" name="Text Placeholder 2">
-            <a:extLst>
-              <a:ext uri="{FF2B5EF4-FFF2-40B4-BE49-F238E27FC236}">
-                <a16:creationId xmlns:a16="http://schemas.microsoft.com/office/drawing/2014/main" id="{01F17920-E7BB-0A5D-D468-22C450F2EF7F}"/>
-              </a:ext>
-            </a:extLst>
-          </p:cNvPr>
+            <a:endParaRPr lang="en-US" dirty="0"/>
+          </a:p>
+        </p:txBody>
+      </p:sp>
+      <p:sp>
+        <p:nvSpPr>
+          <p:cNvPr id="3" name="Text Placeholder 2"/>
           <p:cNvSpPr>
             <a:spLocks noGrp="1"/>
           </p:cNvSpPr>
@@ -2841,8 +2953,8 @@
         </p:nvSpPr>
         <p:spPr>
           <a:xfrm>
-            <a:off x="838200" y="1825625"/>
-            <a:ext cx="10515600" cy="4351338"/>
+            <a:off x="676656" y="2011680"/>
+            <a:ext cx="10753725" cy="3766185"/>
           </a:xfrm>
           <a:prstGeom prst="rect">
             <a:avLst/>
@@ -2856,50 +2968,44 @@
           <a:p>
             <a:pPr lvl="0"/>
             <a:r>
-              <a:rPr lang="en-GB"/>
-              <a:t>Click to edit Master text styles</a:t>
+              <a:rPr lang="en-US" smtClean="0"/>
+              <a:t>Edit Master text styles</a:t>
             </a:r>
           </a:p>
           <a:p>
             <a:pPr lvl="1"/>
             <a:r>
-              <a:rPr lang="en-GB"/>
+              <a:rPr lang="en-US" smtClean="0"/>
               <a:t>Second level</a:t>
             </a:r>
           </a:p>
           <a:p>
             <a:pPr lvl="2"/>
             <a:r>
-              <a:rPr lang="en-GB"/>
+              <a:rPr lang="en-US" smtClean="0"/>
               <a:t>Third level</a:t>
             </a:r>
           </a:p>
           <a:p>
             <a:pPr lvl="3"/>
             <a:r>
-              <a:rPr lang="en-GB"/>
+              <a:rPr lang="en-US" smtClean="0"/>
               <a:t>Fourth level</a:t>
             </a:r>
           </a:p>
           <a:p>
             <a:pPr lvl="4"/>
             <a:r>
-              <a:rPr lang="en-GB"/>
+              <a:rPr lang="en-US" smtClean="0"/>
               <a:t>Fifth level</a:t>
             </a:r>
-            <a:endParaRPr lang="en-US"/>
-          </a:p>
-        </p:txBody>
-      </p:sp>
-      <p:sp>
-        <p:nvSpPr>
-          <p:cNvPr id="4" name="Date Placeholder 3">
-            <a:extLst>
-              <a:ext uri="{FF2B5EF4-FFF2-40B4-BE49-F238E27FC236}">
-                <a16:creationId xmlns:a16="http://schemas.microsoft.com/office/drawing/2014/main" id="{A2452CC4-3370-19A2-DAA1-927361026815}"/>
-              </a:ext>
-            </a:extLst>
-          </p:cNvPr>
+            <a:endParaRPr lang="en-US" dirty="0"/>
+          </a:p>
+        </p:txBody>
+      </p:sp>
+      <p:sp>
+        <p:nvSpPr>
+          <p:cNvPr id="4" name="Date Placeholder 3"/>
           <p:cNvSpPr>
             <a:spLocks noGrp="1"/>
           </p:cNvSpPr>
@@ -2909,8 +3015,8 @@
         </p:nvSpPr>
         <p:spPr>
           <a:xfrm>
-            <a:off x="838200" y="6356350"/>
-            <a:ext cx="2743200" cy="365125"/>
+            <a:off x="685800" y="6412447"/>
+            <a:ext cx="4114800" cy="228600"/>
           </a:xfrm>
           <a:prstGeom prst="rect">
             <a:avLst/>
@@ -2920,10 +3026,10 @@
           <a:bodyPr vert="horz" lIns="91440" tIns="45720" rIns="91440" bIns="45720" rtlCol="0" anchor="ctr"/>
           <a:lstStyle>
             <a:lvl1pPr algn="l">
-              <a:defRPr sz="1200">
+              <a:defRPr sz="950">
                 <a:solidFill>
                   <a:schemeClr val="tx1">
-                    <a:tint val="75000"/>
+                    <a:alpha val="80000"/>
                   </a:schemeClr>
                 </a:solidFill>
               </a:defRPr>
@@ -2932,7 +3038,7 @@
           <a:p>
             <a:fld id="{956B6FFA-8F20-6F45-A8A1-E68F9DB043F4}" type="datetimeFigureOut">
               <a:rPr lang="en-US" smtClean="0"/>
-              <a:t>7/17/23</a:t>
+              <a:t>7/18/2023</a:t>
             </a:fld>
             <a:endParaRPr lang="en-US"/>
           </a:p>
@@ -2940,13 +3046,7 @@
       </p:sp>
       <p:sp>
         <p:nvSpPr>
-          <p:cNvPr id="5" name="Footer Placeholder 4">
-            <a:extLst>
-              <a:ext uri="{FF2B5EF4-FFF2-40B4-BE49-F238E27FC236}">
-                <a16:creationId xmlns:a16="http://schemas.microsoft.com/office/drawing/2014/main" id="{4B181A94-5EEA-6324-A96B-661FE31E363D}"/>
-              </a:ext>
-            </a:extLst>
-          </p:cNvPr>
+          <p:cNvPr id="5" name="Footer Placeholder 4"/>
           <p:cNvSpPr>
             <a:spLocks noGrp="1"/>
           </p:cNvSpPr>
@@ -2956,8 +3056,8 @@
         </p:nvSpPr>
         <p:spPr>
           <a:xfrm>
-            <a:off x="4038600" y="6356350"/>
-            <a:ext cx="4114800" cy="365125"/>
+            <a:off x="685800" y="6554697"/>
+            <a:ext cx="5029200" cy="228600"/>
           </a:xfrm>
           <a:prstGeom prst="rect">
             <a:avLst/>
@@ -2966,11 +3066,11 @@
         <p:txBody>
           <a:bodyPr vert="horz" lIns="91440" tIns="45720" rIns="91440" bIns="45720" rtlCol="0" anchor="ctr"/>
           <a:lstStyle>
-            <a:lvl1pPr algn="ctr">
-              <a:defRPr sz="1200">
+            <a:lvl1pPr algn="l">
+              <a:defRPr sz="950" cap="all" baseline="0">
                 <a:solidFill>
                   <a:schemeClr val="tx1">
-                    <a:tint val="75000"/>
+                    <a:alpha val="80000"/>
                   </a:schemeClr>
                 </a:solidFill>
               </a:defRPr>
@@ -2983,13 +3083,7 @@
       </p:sp>
       <p:sp>
         <p:nvSpPr>
-          <p:cNvPr id="6" name="Slide Number Placeholder 5">
-            <a:extLst>
-              <a:ext uri="{FF2B5EF4-FFF2-40B4-BE49-F238E27FC236}">
-                <a16:creationId xmlns:a16="http://schemas.microsoft.com/office/drawing/2014/main" id="{41B07922-0A2A-96C4-4648-73E7488ABD13}"/>
-              </a:ext>
-            </a:extLst>
-          </p:cNvPr>
+          <p:cNvPr id="6" name="Slide Number Placeholder 5"/>
           <p:cNvSpPr>
             <a:spLocks noGrp="1"/>
           </p:cNvSpPr>
@@ -2999,23 +3093,27 @@
         </p:nvSpPr>
         <p:spPr>
           <a:xfrm>
-            <a:off x="8610600" y="6356350"/>
-            <a:ext cx="2743200" cy="365125"/>
+            <a:off x="8763926" y="5876412"/>
+            <a:ext cx="2926080" cy="1397039"/>
           </a:xfrm>
           <a:prstGeom prst="rect">
             <a:avLst/>
           </a:prstGeom>
         </p:spPr>
         <p:txBody>
-          <a:bodyPr vert="horz" lIns="91440" tIns="45720" rIns="91440" bIns="45720" rtlCol="0" anchor="ctr"/>
+          <a:bodyPr vert="horz" lIns="91440" tIns="45720" rIns="91440" bIns="45720" rtlCol="0" anchor="b"/>
           <a:lstStyle>
             <a:lvl1pPr algn="r">
-              <a:defRPr sz="1200">
+              <a:defRPr sz="10300" b="0">
+                <a:ln>
+                  <a:noFill/>
+                </a:ln>
                 <a:solidFill>
-                  <a:schemeClr val="tx1">
-                    <a:tint val="75000"/>
+                  <a:schemeClr val="accent1">
+                    <a:alpha val="25000"/>
                   </a:schemeClr>
                 </a:solidFill>
+                <a:latin typeface="+mj-lt"/>
               </a:defRPr>
             </a:lvl1pPr>
           </a:lstStyle>
@@ -3031,40 +3129,47 @@
     </p:spTree>
     <p:extLst>
       <p:ext uri="{BB962C8B-B14F-4D97-AF65-F5344CB8AC3E}">
-        <p14:creationId xmlns:p14="http://schemas.microsoft.com/office/powerpoint/2010/main" val="702232998"/>
+        <p14:creationId xmlns:p14="http://schemas.microsoft.com/office/powerpoint/2010/main" val="781232592"/>
       </p:ext>
     </p:extLst>
   </p:cSld>
   <p:clrMap bg1="lt1" tx1="dk1" bg2="lt2" tx2="dk2" accent1="accent1" accent2="accent2" accent3="accent3" accent4="accent4" accent5="accent5" accent6="accent6" hlink="hlink" folHlink="folHlink"/>
   <p:sldLayoutIdLst>
-    <p:sldLayoutId id="2147483735" r:id="rId1"/>
-    <p:sldLayoutId id="2147483736" r:id="rId2"/>
-    <p:sldLayoutId id="2147483737" r:id="rId3"/>
-    <p:sldLayoutId id="2147483738" r:id="rId4"/>
-    <p:sldLayoutId id="2147483739" r:id="rId5"/>
-    <p:sldLayoutId id="2147483740" r:id="rId6"/>
-    <p:sldLayoutId id="2147483741" r:id="rId7"/>
-    <p:sldLayoutId id="2147483742" r:id="rId8"/>
-    <p:sldLayoutId id="2147483743" r:id="rId9"/>
-    <p:sldLayoutId id="2147483744" r:id="rId10"/>
-    <p:sldLayoutId id="2147483745" r:id="rId11"/>
+    <p:sldLayoutId id="2147483789" r:id="rId1"/>
+    <p:sldLayoutId id="2147483790" r:id="rId2"/>
+    <p:sldLayoutId id="2147483791" r:id="rId3"/>
+    <p:sldLayoutId id="2147483792" r:id="rId4"/>
+    <p:sldLayoutId id="2147483793" r:id="rId5"/>
+    <p:sldLayoutId id="2147483794" r:id="rId6"/>
+    <p:sldLayoutId id="2147483795" r:id="rId7"/>
+    <p:sldLayoutId id="2147483796" r:id="rId8"/>
+    <p:sldLayoutId id="2147483797" r:id="rId9"/>
+    <p:sldLayoutId id="2147483798" r:id="rId10"/>
+    <p:sldLayoutId id="2147483799" r:id="rId11"/>
   </p:sldLayoutIdLst>
   <p:transition>
     <p:fade thruBlk="1"/>
   </p:transition>
+  <p:timing>
+    <p:tnLst>
+      <p:par>
+        <p:cTn id="1" dur="indefinite" restart="never" nodeType="tmRoot"/>
+      </p:par>
+    </p:tnLst>
+  </p:timing>
   <p:txStyles>
     <p:titleStyle>
       <a:lvl1pPr algn="l" defTabSz="914400" rtl="0" eaLnBrk="1" latinLnBrk="0" hangingPunct="1">
         <a:lnSpc>
-          <a:spcPct val="90000"/>
+          <a:spcPct val="85000"/>
         </a:lnSpc>
         <a:spcBef>
           <a:spcPct val="0"/>
         </a:spcBef>
         <a:buNone/>
-        <a:defRPr sz="4400" kern="1200">
+        <a:defRPr sz="5400" kern="1200" spc="-120" baseline="0">
           <a:solidFill>
-            <a:schemeClr val="tx1"/>
+            <a:schemeClr val="accent1"/>
           </a:solidFill>
           <a:latin typeface="+mj-lt"/>
           <a:ea typeface="+mj-ea"/>
@@ -3073,162 +3178,189 @@
       </a:lvl1pPr>
     </p:titleStyle>
     <p:bodyStyle>
-      <a:lvl1pPr marL="228600" indent="-228600" algn="l" defTabSz="914400" rtl="0" eaLnBrk="1" latinLnBrk="0" hangingPunct="1">
+      <a:lvl1pPr marL="91440" indent="-91440" algn="l" defTabSz="914400" rtl="0" eaLnBrk="1" latinLnBrk="0" hangingPunct="1">
         <a:lnSpc>
-          <a:spcPct val="90000"/>
+          <a:spcPct val="85000"/>
         </a:lnSpc>
         <a:spcBef>
-          <a:spcPts val="1000"/>
+          <a:spcPts val="1300"/>
         </a:spcBef>
-        <a:buFont typeface="Arial" panose="020B0604020202020204" pitchFamily="34" charset="0"/>
-        <a:buChar char="•"/>
-        <a:defRPr sz="2800" kern="1200">
+        <a:buFont typeface="Arial" pitchFamily="34" charset="0"/>
+        <a:buChar char=" "/>
+        <a:defRPr sz="2400" kern="1200">
           <a:solidFill>
-            <a:schemeClr val="tx1"/>
+            <a:schemeClr val="tx1">
+              <a:lumMod val="85000"/>
+              <a:lumOff val="15000"/>
+            </a:schemeClr>
           </a:solidFill>
           <a:latin typeface="+mn-lt"/>
           <a:ea typeface="+mn-ea"/>
           <a:cs typeface="+mn-cs"/>
         </a:defRPr>
       </a:lvl1pPr>
-      <a:lvl2pPr marL="685800" indent="-228600" algn="l" defTabSz="914400" rtl="0" eaLnBrk="1" latinLnBrk="0" hangingPunct="1">
+      <a:lvl2pPr marL="347472" indent="-342900" algn="l" defTabSz="914400" rtl="0" eaLnBrk="1" latinLnBrk="0" hangingPunct="1">
         <a:lnSpc>
-          <a:spcPct val="90000"/>
+          <a:spcPct val="85000"/>
         </a:lnSpc>
         <a:spcBef>
-          <a:spcPts val="500"/>
+          <a:spcPts val="600"/>
         </a:spcBef>
-        <a:buFont typeface="Arial" panose="020B0604020202020204" pitchFamily="34" charset="0"/>
-        <a:buChar char="•"/>
+        <a:buFont typeface="Arial" pitchFamily="34" charset="0"/>
+        <a:buChar char=" "/>
         <a:defRPr sz="2400" kern="1200">
           <a:solidFill>
-            <a:schemeClr val="tx1"/>
+            <a:schemeClr val="tx1">
+              <a:lumMod val="85000"/>
+              <a:lumOff val="15000"/>
+            </a:schemeClr>
           </a:solidFill>
           <a:latin typeface="+mn-lt"/>
           <a:ea typeface="+mn-ea"/>
           <a:cs typeface="+mn-cs"/>
         </a:defRPr>
       </a:lvl2pPr>
-      <a:lvl3pPr marL="1143000" indent="-228600" algn="l" defTabSz="914400" rtl="0" eaLnBrk="1" latinLnBrk="0" hangingPunct="1">
+      <a:lvl3pPr marL="548640" indent="-548640" algn="l" defTabSz="914400" rtl="0" eaLnBrk="1" latinLnBrk="0" hangingPunct="1">
         <a:lnSpc>
-          <a:spcPct val="90000"/>
+          <a:spcPct val="85000"/>
         </a:lnSpc>
         <a:spcBef>
-          <a:spcPts val="500"/>
+          <a:spcPts val="600"/>
         </a:spcBef>
-        <a:buFont typeface="Arial" panose="020B0604020202020204" pitchFamily="34" charset="0"/>
-        <a:buChar char="•"/>
-        <a:defRPr sz="2000" kern="1200">
+        <a:buFont typeface="Arial" pitchFamily="34" charset="0"/>
+        <a:buChar char=" "/>
+        <a:defRPr sz="2000" i="1" kern="1200">
           <a:solidFill>
-            <a:schemeClr val="tx1"/>
+            <a:schemeClr val="tx1">
+              <a:lumMod val="85000"/>
+              <a:lumOff val="15000"/>
+            </a:schemeClr>
           </a:solidFill>
           <a:latin typeface="+mn-lt"/>
           <a:ea typeface="+mn-ea"/>
           <a:cs typeface="+mn-cs"/>
         </a:defRPr>
       </a:lvl3pPr>
-      <a:lvl4pPr marL="1600200" indent="-228600" algn="l" defTabSz="914400" rtl="0" eaLnBrk="1" latinLnBrk="0" hangingPunct="1">
+      <a:lvl4pPr marL="822960" indent="-822960" algn="l" defTabSz="914400" rtl="0" eaLnBrk="1" latinLnBrk="0" hangingPunct="1">
         <a:lnSpc>
-          <a:spcPct val="90000"/>
+          <a:spcPct val="85000"/>
         </a:lnSpc>
         <a:spcBef>
-          <a:spcPts val="500"/>
+          <a:spcPts val="600"/>
         </a:spcBef>
-        <a:buFont typeface="Arial" panose="020B0604020202020204" pitchFamily="34" charset="0"/>
-        <a:buChar char="•"/>
+        <a:buFont typeface="Arial" pitchFamily="34" charset="0"/>
+        <a:buChar char=" "/>
         <a:defRPr sz="1800" kern="1200">
           <a:solidFill>
-            <a:schemeClr val="tx1"/>
+            <a:schemeClr val="tx1">
+              <a:lumMod val="85000"/>
+              <a:lumOff val="15000"/>
+            </a:schemeClr>
           </a:solidFill>
           <a:latin typeface="+mn-lt"/>
           <a:ea typeface="+mn-ea"/>
           <a:cs typeface="+mn-cs"/>
         </a:defRPr>
       </a:lvl4pPr>
-      <a:lvl5pPr marL="2057400" indent="-228600" algn="l" defTabSz="914400" rtl="0" eaLnBrk="1" latinLnBrk="0" hangingPunct="1">
+      <a:lvl5pPr marL="1097280" indent="-1097280" algn="l" defTabSz="914400" rtl="0" eaLnBrk="1" latinLnBrk="0" hangingPunct="1">
         <a:lnSpc>
-          <a:spcPct val="90000"/>
+          <a:spcPct val="85000"/>
         </a:lnSpc>
         <a:spcBef>
-          <a:spcPts val="500"/>
+          <a:spcPts val="600"/>
         </a:spcBef>
-        <a:buFont typeface="Arial" panose="020B0604020202020204" pitchFamily="34" charset="0"/>
-        <a:buChar char="•"/>
+        <a:buFont typeface="Arial" pitchFamily="34" charset="0"/>
+        <a:buChar char=" "/>
         <a:defRPr sz="1800" kern="1200">
           <a:solidFill>
-            <a:schemeClr val="tx1"/>
+            <a:schemeClr val="tx1">
+              <a:lumMod val="85000"/>
+              <a:lumOff val="15000"/>
+            </a:schemeClr>
           </a:solidFill>
           <a:latin typeface="+mn-lt"/>
           <a:ea typeface="+mn-ea"/>
           <a:cs typeface="+mn-cs"/>
         </a:defRPr>
       </a:lvl5pPr>
-      <a:lvl6pPr marL="2514600" indent="-228600" algn="l" defTabSz="914400" rtl="0" eaLnBrk="1" latinLnBrk="0" hangingPunct="1">
+      <a:lvl6pPr marL="1200000" indent="-228600" algn="l" defTabSz="914400" rtl="0" eaLnBrk="1" latinLnBrk="0" hangingPunct="1">
         <a:lnSpc>
-          <a:spcPct val="90000"/>
+          <a:spcPct val="85000"/>
         </a:lnSpc>
         <a:spcBef>
-          <a:spcPts val="500"/>
+          <a:spcPts val="600"/>
         </a:spcBef>
-        <a:buFont typeface="Arial" panose="020B0604020202020204" pitchFamily="34" charset="0"/>
-        <a:buChar char="•"/>
+        <a:buFont typeface="Arial" pitchFamily="34" charset="0"/>
+        <a:buChar char=" "/>
         <a:defRPr sz="1800" kern="1200">
           <a:solidFill>
-            <a:schemeClr val="tx1"/>
+            <a:schemeClr val="tx1">
+              <a:lumMod val="85000"/>
+              <a:lumOff val="15000"/>
+            </a:schemeClr>
           </a:solidFill>
           <a:latin typeface="+mn-lt"/>
           <a:ea typeface="+mn-ea"/>
           <a:cs typeface="+mn-cs"/>
         </a:defRPr>
       </a:lvl6pPr>
-      <a:lvl7pPr marL="2971800" indent="-228600" algn="l" defTabSz="914400" rtl="0" eaLnBrk="1" latinLnBrk="0" hangingPunct="1">
+      <a:lvl7pPr marL="1400000" indent="-228600" algn="l" defTabSz="914400" rtl="0" eaLnBrk="1" latinLnBrk="0" hangingPunct="1">
         <a:lnSpc>
-          <a:spcPct val="90000"/>
+          <a:spcPct val="85000"/>
         </a:lnSpc>
         <a:spcBef>
-          <a:spcPts val="500"/>
+          <a:spcPts val="600"/>
         </a:spcBef>
-        <a:buFont typeface="Arial" panose="020B0604020202020204" pitchFamily="34" charset="0"/>
-        <a:buChar char="•"/>
+        <a:buFont typeface="Arial" pitchFamily="34" charset="0"/>
+        <a:buChar char=" "/>
         <a:defRPr sz="1800" kern="1200">
           <a:solidFill>
-            <a:schemeClr val="tx1"/>
+            <a:schemeClr val="tx1">
+              <a:lumMod val="85000"/>
+              <a:lumOff val="15000"/>
+            </a:schemeClr>
           </a:solidFill>
           <a:latin typeface="+mn-lt"/>
           <a:ea typeface="+mn-ea"/>
           <a:cs typeface="+mn-cs"/>
         </a:defRPr>
       </a:lvl7pPr>
-      <a:lvl8pPr marL="3429000" indent="-228600" algn="l" defTabSz="914400" rtl="0" eaLnBrk="1" latinLnBrk="0" hangingPunct="1">
+      <a:lvl8pPr marL="1600000" indent="-228600" algn="l" defTabSz="914400" rtl="0" eaLnBrk="1" latinLnBrk="0" hangingPunct="1">
         <a:lnSpc>
-          <a:spcPct val="90000"/>
+          <a:spcPct val="85000"/>
         </a:lnSpc>
         <a:spcBef>
-          <a:spcPts val="500"/>
+          <a:spcPts val="600"/>
         </a:spcBef>
-        <a:buFont typeface="Arial" panose="020B0604020202020204" pitchFamily="34" charset="0"/>
-        <a:buChar char="•"/>
+        <a:buFont typeface="Arial" pitchFamily="34" charset="0"/>
+        <a:buChar char=" "/>
         <a:defRPr sz="1800" kern="1200">
           <a:solidFill>
-            <a:schemeClr val="tx1"/>
+            <a:schemeClr val="tx1">
+              <a:lumMod val="85000"/>
+              <a:lumOff val="15000"/>
+            </a:schemeClr>
           </a:solidFill>
           <a:latin typeface="+mn-lt"/>
           <a:ea typeface="+mn-ea"/>
           <a:cs typeface="+mn-cs"/>
         </a:defRPr>
       </a:lvl8pPr>
-      <a:lvl9pPr marL="3886200" indent="-228600" algn="l" defTabSz="914400" rtl="0" eaLnBrk="1" latinLnBrk="0" hangingPunct="1">
+      <a:lvl9pPr marL="1800000" indent="-228600" algn="l" defTabSz="914400" rtl="0" eaLnBrk="1" latinLnBrk="0" hangingPunct="1">
         <a:lnSpc>
-          <a:spcPct val="90000"/>
+          <a:spcPct val="85000"/>
         </a:lnSpc>
         <a:spcBef>
-          <a:spcPts val="500"/>
+          <a:spcPts val="600"/>
         </a:spcBef>
-        <a:buFont typeface="Arial" panose="020B0604020202020204" pitchFamily="34" charset="0"/>
-        <a:buChar char="•"/>
+        <a:buFont typeface="Arial" pitchFamily="34" charset="0"/>
+        <a:buChar char=" "/>
         <a:defRPr sz="1800" kern="1200">
           <a:solidFill>
-            <a:schemeClr val="tx1"/>
+            <a:schemeClr val="tx1">
+              <a:lumMod val="85000"/>
+              <a:lumOff val="15000"/>
+            </a:schemeClr>
           </a:solidFill>
           <a:latin typeface="+mn-lt"/>
           <a:ea typeface="+mn-ea"/>
@@ -3420,6 +3552,89 @@
 </p:sld>
 </file>
 
+<file path=ppt/slides/slide10.xml><?xml version="1.0" encoding="utf-8"?>
+<p:sld xmlns:a="http://schemas.openxmlformats.org/drawingml/2006/main" xmlns:r="http://schemas.openxmlformats.org/officeDocument/2006/relationships" xmlns:p="http://schemas.openxmlformats.org/presentationml/2006/main">
+  <p:cSld>
+    <p:spTree>
+      <p:nvGrpSpPr>
+        <p:cNvPr id="1" name=""/>
+        <p:cNvGrpSpPr/>
+        <p:nvPr/>
+      </p:nvGrpSpPr>
+      <p:grpSpPr>
+        <a:xfrm>
+          <a:off x="0" y="0"/>
+          <a:ext cx="0" cy="0"/>
+          <a:chOff x="0" y="0"/>
+          <a:chExt cx="0" cy="0"/>
+        </a:xfrm>
+      </p:grpSpPr>
+      <p:sp>
+        <p:nvSpPr>
+          <p:cNvPr id="4" name="Title 3">
+            <a:extLst>
+              <a:ext uri="{FF2B5EF4-FFF2-40B4-BE49-F238E27FC236}">
+                <a16:creationId xmlns:a16="http://schemas.microsoft.com/office/drawing/2014/main" id="{767CB4ED-A6D0-701A-A989-942C7980789F}"/>
+              </a:ext>
+            </a:extLst>
+          </p:cNvPr>
+          <p:cNvSpPr>
+            <a:spLocks noGrp="1"/>
+          </p:cNvSpPr>
+          <p:nvPr>
+            <p:ph type="title"/>
+          </p:nvPr>
+        </p:nvSpPr>
+        <p:spPr/>
+        <p:txBody>
+          <a:bodyPr/>
+          <a:lstStyle/>
+          <a:p>
+            <a:r>
+              <a:rPr lang="en-US" dirty="0"/>
+              <a:t>Thank you</a:t>
+            </a:r>
+          </a:p>
+        </p:txBody>
+      </p:sp>
+      <p:sp>
+        <p:nvSpPr>
+          <p:cNvPr id="5" name="Text Placeholder 4">
+            <a:extLst>
+              <a:ext uri="{FF2B5EF4-FFF2-40B4-BE49-F238E27FC236}">
+                <a16:creationId xmlns:a16="http://schemas.microsoft.com/office/drawing/2014/main" id="{A32CB210-CBD4-DF1C-C2D9-13C86CF630D4}"/>
+              </a:ext>
+            </a:extLst>
+          </p:cNvPr>
+          <p:cNvSpPr>
+            <a:spLocks noGrp="1"/>
+          </p:cNvSpPr>
+          <p:nvPr>
+            <p:ph type="body" idx="1"/>
+          </p:nvPr>
+        </p:nvSpPr>
+        <p:spPr/>
+        <p:txBody>
+          <a:bodyPr/>
+          <a:lstStyle/>
+          <a:p>
+            <a:endParaRPr lang="en-US"/>
+          </a:p>
+        </p:txBody>
+      </p:sp>
+    </p:spTree>
+    <p:extLst>
+      <p:ext uri="{BB962C8B-B14F-4D97-AF65-F5344CB8AC3E}">
+        <p14:creationId xmlns:p14="http://schemas.microsoft.com/office/powerpoint/2010/main" val="4021282536"/>
+      </p:ext>
+    </p:extLst>
+  </p:cSld>
+  <p:clrMapOvr>
+    <a:masterClrMapping/>
+  </p:clrMapOvr>
+</p:sld>
+</file>
+
 <file path=ppt/slides/slide2.xml><?xml version="1.0" encoding="utf-8"?>
 <p:sld xmlns:a="http://schemas.openxmlformats.org/drawingml/2006/main" xmlns:r="http://schemas.openxmlformats.org/officeDocument/2006/relationships" xmlns:p="http://schemas.openxmlformats.org/presentationml/2006/main">
   <p:cSld>
@@ -4268,10 +4483,15 @@
             <p:ph idx="1"/>
           </p:nvPr>
         </p:nvSpPr>
-        <p:spPr/>
+        <p:spPr>
+          <a:xfrm>
+            <a:off x="676656" y="2011680"/>
+            <a:ext cx="10753725" cy="4656598"/>
+          </a:xfrm>
+        </p:spPr>
         <p:txBody>
           <a:bodyPr>
-            <a:normAutofit fontScale="92500" lnSpcReduction="20000"/>
+            <a:normAutofit fontScale="92500"/>
           </a:bodyPr>
           <a:lstStyle/>
           <a:p>
@@ -4501,74 +4721,298 @@
       </p:grpSpPr>
       <p:sp>
         <p:nvSpPr>
-          <p:cNvPr id="4" name="Title 3">
+          <p:cNvPr id="2" name="Title 1"/>
+          <p:cNvSpPr>
+            <a:spLocks noGrp="1"/>
+          </p:cNvSpPr>
+          <p:nvPr>
+            <p:ph type="title"/>
+          </p:nvPr>
+        </p:nvSpPr>
+        <p:spPr/>
+        <p:txBody>
+          <a:bodyPr/>
+          <a:lstStyle/>
+          <a:p>
+            <a:r>
+              <a:rPr lang="en-US" dirty="0" smtClean="0"/>
+              <a:t>First Web Map Setup</a:t>
+            </a:r>
+            <a:endParaRPr lang="en-IN" dirty="0"/>
+          </a:p>
+        </p:txBody>
+      </p:sp>
+      <p:pic>
+        <p:nvPicPr>
+          <p:cNvPr id="4" name="Picture 3"/>
+          <p:cNvPicPr>
+            <a:picLocks noChangeAspect="1"/>
+          </p:cNvPicPr>
+          <p:nvPr/>
+        </p:nvPicPr>
+        <p:blipFill rotWithShape="1">
+          <a:blip r:embed="rId2" cstate="email">
             <a:extLst>
-              <a:ext uri="{FF2B5EF4-FFF2-40B4-BE49-F238E27FC236}">
-                <a16:creationId xmlns:a16="http://schemas.microsoft.com/office/drawing/2014/main" id="{767CB4ED-A6D0-701A-A989-942C7980789F}"/>
+              <a:ext uri="{28A0092B-C50C-407E-A947-70E740481C1C}">
+                <a14:useLocalDpi xmlns:a14="http://schemas.microsoft.com/office/drawing/2010/main"/>
               </a:ext>
             </a:extLst>
-          </p:cNvPr>
-          <p:cNvSpPr>
-            <a:spLocks noGrp="1"/>
-          </p:cNvSpPr>
-          <p:nvPr>
-            <p:ph type="title"/>
-          </p:nvPr>
-        </p:nvSpPr>
-        <p:spPr/>
-        <p:txBody>
-          <a:bodyPr/>
+          </a:blip>
+          <a:srcRect r="55176" b="2500"/>
+          <a:stretch/>
+        </p:blipFill>
+        <p:spPr>
+          <a:xfrm>
+            <a:off x="1524000" y="1690691"/>
+            <a:ext cx="2304256" cy="1872208"/>
+          </a:xfrm>
+          <a:prstGeom prst="rect">
+            <a:avLst/>
+          </a:prstGeom>
+        </p:spPr>
+      </p:pic>
+      <p:sp>
+        <p:nvSpPr>
+          <p:cNvPr id="5" name="TextBox 4"/>
+          <p:cNvSpPr txBox="1"/>
+          <p:nvPr/>
+        </p:nvSpPr>
+        <p:spPr>
+          <a:xfrm>
+            <a:off x="5562794" y="1598008"/>
+            <a:ext cx="2664296" cy="369332"/>
+          </a:xfrm>
+          <a:prstGeom prst="rect">
+            <a:avLst/>
+          </a:prstGeom>
+          <a:solidFill>
+            <a:schemeClr val="accent2">
+              <a:lumMod val="40000"/>
+              <a:lumOff val="60000"/>
+            </a:schemeClr>
+          </a:solidFill>
+        </p:spPr>
+        <p:txBody>
+          <a:bodyPr wrap="square" rtlCol="0">
+            <a:spAutoFit/>
+          </a:bodyPr>
           <a:lstStyle/>
           <a:p>
             <a:r>
               <a:rPr lang="en-US" dirty="0"/>
-              <a:t>Thank you</a:t>
-            </a:r>
-          </a:p>
-        </p:txBody>
-      </p:sp>
-      <p:sp>
-        <p:nvSpPr>
-          <p:cNvPr id="5" name="Text Placeholder 4">
+              <a:t>Index.html</a:t>
+            </a:r>
+            <a:endParaRPr lang="en-IN" dirty="0"/>
+          </a:p>
+        </p:txBody>
+      </p:sp>
+      <p:sp>
+        <p:nvSpPr>
+          <p:cNvPr id="6" name="TextBox 5"/>
+          <p:cNvSpPr txBox="1"/>
+          <p:nvPr/>
+        </p:nvSpPr>
+        <p:spPr>
+          <a:xfrm>
+            <a:off x="1926066" y="1548734"/>
+            <a:ext cx="1040577" cy="369332"/>
+          </a:xfrm>
+          <a:prstGeom prst="rect">
+            <a:avLst/>
+          </a:prstGeom>
+          <a:solidFill>
+            <a:schemeClr val="accent2">
+              <a:lumMod val="40000"/>
+              <a:lumOff val="60000"/>
+            </a:schemeClr>
+          </a:solidFill>
+        </p:spPr>
+        <p:txBody>
+          <a:bodyPr wrap="square" rtlCol="0">
+            <a:spAutoFit/>
+          </a:bodyPr>
+          <a:lstStyle/>
+          <a:p>
+            <a:r>
+              <a:rPr lang="en-US" dirty="0" err="1"/>
+              <a:t>htdocs</a:t>
+            </a:r>
+            <a:endParaRPr lang="en-IN" dirty="0"/>
+          </a:p>
+        </p:txBody>
+      </p:sp>
+      <p:pic>
+        <p:nvPicPr>
+          <p:cNvPr id="7" name="Picture 6"/>
+          <p:cNvPicPr>
+            <a:picLocks noChangeAspect="1"/>
+          </p:cNvPicPr>
+          <p:nvPr/>
+        </p:nvPicPr>
+        <p:blipFill>
+          <a:blip r:embed="rId3" cstate="email">
             <a:extLst>
-              <a:ext uri="{FF2B5EF4-FFF2-40B4-BE49-F238E27FC236}">
-                <a16:creationId xmlns:a16="http://schemas.microsoft.com/office/drawing/2014/main" id="{A32CB210-CBD4-DF1C-C2D9-13C86CF630D4}"/>
+              <a:ext uri="{28A0092B-C50C-407E-A947-70E740481C1C}">
+                <a14:useLocalDpi xmlns:a14="http://schemas.microsoft.com/office/drawing/2010/main"/>
               </a:ext>
             </a:extLst>
-          </p:cNvPr>
-          <p:cNvSpPr>
-            <a:spLocks noGrp="1"/>
-          </p:cNvSpPr>
-          <p:nvPr>
-            <p:ph type="body" idx="1"/>
-          </p:nvPr>
-        </p:nvSpPr>
-        <p:spPr/>
-        <p:txBody>
-          <a:bodyPr/>
-          <a:lstStyle/>
-          <a:p>
-            <a:endParaRPr lang="en-US"/>
-          </a:p>
-        </p:txBody>
-      </p:sp>
+          </a:blip>
+          <a:stretch>
+            <a:fillRect/>
+          </a:stretch>
+        </p:blipFill>
+        <p:spPr>
+          <a:xfrm>
+            <a:off x="3156596" y="1918067"/>
+            <a:ext cx="7511405" cy="4747967"/>
+          </a:xfrm>
+          <a:prstGeom prst="rect">
+            <a:avLst/>
+          </a:prstGeom>
+        </p:spPr>
+      </p:pic>
     </p:spTree>
     <p:extLst>
       <p:ext uri="{BB962C8B-B14F-4D97-AF65-F5344CB8AC3E}">
-        <p14:creationId xmlns:p14="http://schemas.microsoft.com/office/powerpoint/2010/main" val="4021282536"/>
+        <p14:creationId xmlns:p14="http://schemas.microsoft.com/office/powerpoint/2010/main" val="1034165844"/>
       </p:ext>
     </p:extLst>
   </p:cSld>
   <p:clrMapOvr>
     <a:masterClrMapping/>
   </p:clrMapOvr>
+  <p:timing>
+    <p:tnLst>
+      <p:par>
+        <p:cTn id="1" dur="indefinite" restart="never" nodeType="tmRoot"/>
+      </p:par>
+    </p:tnLst>
+  </p:timing>
+</p:sld>
+</file>
+
+<file path=ppt/slides/slide9.xml><?xml version="1.0" encoding="utf-8"?>
+<p:sld xmlns:a="http://schemas.openxmlformats.org/drawingml/2006/main" xmlns:r="http://schemas.openxmlformats.org/officeDocument/2006/relationships" xmlns:p="http://schemas.openxmlformats.org/presentationml/2006/main">
+  <p:cSld>
+    <p:spTree>
+      <p:nvGrpSpPr>
+        <p:cNvPr id="1" name=""/>
+        <p:cNvGrpSpPr/>
+        <p:nvPr/>
+      </p:nvGrpSpPr>
+      <p:grpSpPr>
+        <a:xfrm>
+          <a:off x="0" y="0"/>
+          <a:ext cx="0" cy="0"/>
+          <a:chOff x="0" y="0"/>
+          <a:chExt cx="0" cy="0"/>
+        </a:xfrm>
+      </p:grpSpPr>
+      <p:sp>
+        <p:nvSpPr>
+          <p:cNvPr id="2" name="Title 1"/>
+          <p:cNvSpPr>
+            <a:spLocks noGrp="1"/>
+          </p:cNvSpPr>
+          <p:nvPr>
+            <p:ph type="title"/>
+          </p:nvPr>
+        </p:nvSpPr>
+        <p:spPr/>
+        <p:txBody>
+          <a:bodyPr/>
+          <a:lstStyle/>
+          <a:p>
+            <a:r>
+              <a:rPr lang="en-US" dirty="0" smtClean="0"/>
+              <a:t>Adding External layer from </a:t>
+            </a:r>
+            <a:r>
+              <a:rPr lang="en-US" dirty="0" err="1" smtClean="0"/>
+              <a:t>Bhuvan</a:t>
+            </a:r>
+            <a:endParaRPr lang="en-IN" dirty="0"/>
+          </a:p>
+        </p:txBody>
+      </p:sp>
+      <p:pic>
+        <p:nvPicPr>
+          <p:cNvPr id="4" name="Picture 3"/>
+          <p:cNvPicPr>
+            <a:picLocks noChangeAspect="1"/>
+          </p:cNvPicPr>
+          <p:nvPr/>
+        </p:nvPicPr>
+        <p:blipFill>
+          <a:blip r:embed="rId2" cstate="email">
+            <a:extLst>
+              <a:ext uri="{28A0092B-C50C-407E-A947-70E740481C1C}">
+                <a14:useLocalDpi xmlns:a14="http://schemas.microsoft.com/office/drawing/2010/main"/>
+              </a:ext>
+            </a:extLst>
+          </a:blip>
+          <a:stretch>
+            <a:fillRect/>
+          </a:stretch>
+        </p:blipFill>
+        <p:spPr>
+          <a:xfrm>
+            <a:off x="1343473" y="1988841"/>
+            <a:ext cx="9739665" cy="1638977"/>
+          </a:xfrm>
+          <a:prstGeom prst="rect">
+            <a:avLst/>
+          </a:prstGeom>
+        </p:spPr>
+      </p:pic>
+      <p:pic>
+        <p:nvPicPr>
+          <p:cNvPr id="5" name="Picture 4"/>
+          <p:cNvPicPr>
+            <a:picLocks noChangeAspect="1"/>
+          </p:cNvPicPr>
+          <p:nvPr/>
+        </p:nvPicPr>
+        <p:blipFill>
+          <a:blip r:embed="rId3"/>
+          <a:stretch>
+            <a:fillRect/>
+          </a:stretch>
+        </p:blipFill>
+        <p:spPr>
+          <a:xfrm>
+            <a:off x="1524001" y="4221088"/>
+            <a:ext cx="6627799" cy="2520280"/>
+          </a:xfrm>
+          <a:prstGeom prst="rect">
+            <a:avLst/>
+          </a:prstGeom>
+        </p:spPr>
+      </p:pic>
+    </p:spTree>
+    <p:extLst>
+      <p:ext uri="{BB962C8B-B14F-4D97-AF65-F5344CB8AC3E}">
+        <p14:creationId xmlns:p14="http://schemas.microsoft.com/office/powerpoint/2010/main" val="2849554523"/>
+      </p:ext>
+    </p:extLst>
+  </p:cSld>
+  <p:clrMapOvr>
+    <a:masterClrMapping/>
+  </p:clrMapOvr>
+  <p:timing>
+    <p:tnLst>
+      <p:par>
+        <p:cTn id="1" dur="indefinite" restart="never" nodeType="tmRoot"/>
+      </p:par>
+    </p:tnLst>
+  </p:timing>
 </p:sld>
 </file>
 
 <file path=ppt/theme/theme1.xml><?xml version="1.0" encoding="utf-8"?>
-<a:theme xmlns:a="http://schemas.openxmlformats.org/drawingml/2006/main" name="Office Theme">
+<a:theme xmlns:a="http://schemas.openxmlformats.org/drawingml/2006/main" name="Metropolitan">
   <a:themeElements>
-    <a:clrScheme name="Office">
+    <a:clrScheme name="Metropolitan">
       <a:dk1>
         <a:sysClr val="windowText" lastClr="000000"/>
       </a:dk1>
@@ -4576,44 +5020,44 @@
         <a:sysClr val="window" lastClr="FFFFFF"/>
       </a:lt1>
       <a:dk2>
-        <a:srgbClr val="44546A"/>
+        <a:srgbClr val="162F33"/>
       </a:dk2>
       <a:lt2>
-        <a:srgbClr val="E7E6E6"/>
+        <a:srgbClr val="EAF0E0"/>
       </a:lt2>
       <a:accent1>
-        <a:srgbClr val="4472C4"/>
+        <a:srgbClr val="50B4C8"/>
       </a:accent1>
       <a:accent2>
-        <a:srgbClr val="ED7D31"/>
+        <a:srgbClr val="A8B97F"/>
       </a:accent2>
       <a:accent3>
-        <a:srgbClr val="A5A5A5"/>
+        <a:srgbClr val="9B9256"/>
       </a:accent3>
       <a:accent4>
-        <a:srgbClr val="FFC000"/>
+        <a:srgbClr val="657689"/>
       </a:accent4>
       <a:accent5>
-        <a:srgbClr val="5B9BD5"/>
+        <a:srgbClr val="7A855D"/>
       </a:accent5>
       <a:accent6>
-        <a:srgbClr val="70AD47"/>
+        <a:srgbClr val="84AC9D"/>
       </a:accent6>
       <a:hlink>
-        <a:srgbClr val="0563C1"/>
+        <a:srgbClr val="2370CD"/>
       </a:hlink>
       <a:folHlink>
-        <a:srgbClr val="954F72"/>
+        <a:srgbClr val="877589"/>
       </a:folHlink>
     </a:clrScheme>
-    <a:fontScheme name="Office">
+    <a:fontScheme name="Metropolitan">
       <a:majorFont>
         <a:latin typeface="Calibri Light" panose="020F0302020204030204"/>
         <a:ea typeface=""/>
         <a:cs typeface=""/>
-        <a:font script="Jpan" typeface="游ゴシック Light"/>
+        <a:font script="Jpan" typeface="ＭＳ Ｐゴシック"/>
         <a:font script="Hang" typeface="맑은 고딕"/>
-        <a:font script="Hans" typeface="等线 Light"/>
+        <a:font script="Hans" typeface="宋体"/>
         <a:font script="Hant" typeface="新細明體"/>
         <a:font script="Arab" typeface="Times New Roman"/>
         <a:font script="Hebr" typeface="Times New Roman"/>
@@ -4641,39 +5085,22 @@
         <a:font script="Viet" typeface="Times New Roman"/>
         <a:font script="Uigh" typeface="Microsoft Uighur"/>
         <a:font script="Geor" typeface="Sylfaen"/>
-        <a:font script="Armn" typeface="Arial"/>
-        <a:font script="Bugi" typeface="Leelawadee UI"/>
-        <a:font script="Bopo" typeface="Microsoft JhengHei"/>
-        <a:font script="Java" typeface="Javanese Text"/>
-        <a:font script="Lisu" typeface="Segoe UI"/>
-        <a:font script="Mymr" typeface="Myanmar Text"/>
-        <a:font script="Nkoo" typeface="Ebrima"/>
-        <a:font script="Olck" typeface="Nirmala UI"/>
-        <a:font script="Osma" typeface="Ebrima"/>
-        <a:font script="Phag" typeface="Phagspa"/>
-        <a:font script="Syrn" typeface="Estrangelo Edessa"/>
-        <a:font script="Syrj" typeface="Estrangelo Edessa"/>
-        <a:font script="Syre" typeface="Estrangelo Edessa"/>
-        <a:font script="Sora" typeface="Nirmala UI"/>
-        <a:font script="Tale" typeface="Microsoft Tai Le"/>
-        <a:font script="Talu" typeface="Microsoft New Tai Lue"/>
-        <a:font script="Tfng" typeface="Ebrima"/>
       </a:majorFont>
       <a:minorFont>
-        <a:latin typeface="Calibri" panose="020F0502020204030204"/>
+        <a:latin typeface="Calibri Light" panose="020F0302020204030204"/>
         <a:ea typeface=""/>
         <a:cs typeface=""/>
-        <a:font script="Jpan" typeface="游ゴシック"/>
+        <a:font script="Jpan" typeface="ＭＳ Ｐゴシック"/>
         <a:font script="Hang" typeface="맑은 고딕"/>
-        <a:font script="Hans" typeface="等线"/>
+        <a:font script="Hans" typeface="宋体"/>
         <a:font script="Hant" typeface="新細明體"/>
-        <a:font script="Arab" typeface="Arial"/>
-        <a:font script="Hebr" typeface="Arial"/>
-        <a:font script="Thai" typeface="Cordia New"/>
+        <a:font script="Arab" typeface="Times New Roman"/>
+        <a:font script="Hebr" typeface="Times New Roman"/>
+        <a:font script="Thai" typeface="Angsana New"/>
         <a:font script="Ethi" typeface="Nyala"/>
         <a:font script="Beng" typeface="Vrinda"/>
         <a:font script="Gujr" typeface="Shruti"/>
-        <a:font script="Khmr" typeface="DaunPenh"/>
+        <a:font script="Khmr" typeface="MoolBoran"/>
         <a:font script="Knda" typeface="Tunga"/>
         <a:font script="Guru" typeface="Raavi"/>
         <a:font script="Cans" typeface="Euphemia"/>
@@ -4690,29 +5117,12 @@
         <a:font script="Laoo" typeface="DokChampa"/>
         <a:font script="Sinh" typeface="Iskoola Pota"/>
         <a:font script="Mong" typeface="Mongolian Baiti"/>
-        <a:font script="Viet" typeface="Arial"/>
+        <a:font script="Viet" typeface="Times New Roman"/>
         <a:font script="Uigh" typeface="Microsoft Uighur"/>
         <a:font script="Geor" typeface="Sylfaen"/>
-        <a:font script="Armn" typeface="Arial"/>
-        <a:font script="Bugi" typeface="Leelawadee UI"/>
-        <a:font script="Bopo" typeface="Microsoft JhengHei"/>
-        <a:font script="Java" typeface="Javanese Text"/>
-        <a:font script="Lisu" typeface="Segoe UI"/>
-        <a:font script="Mymr" typeface="Myanmar Text"/>
-        <a:font script="Nkoo" typeface="Ebrima"/>
-        <a:font script="Olck" typeface="Nirmala UI"/>
-        <a:font script="Osma" typeface="Ebrima"/>
-        <a:font script="Phag" typeface="Phagspa"/>
-        <a:font script="Syrn" typeface="Estrangelo Edessa"/>
-        <a:font script="Syrj" typeface="Estrangelo Edessa"/>
-        <a:font script="Syre" typeface="Estrangelo Edessa"/>
-        <a:font script="Sora" typeface="Nirmala UI"/>
-        <a:font script="Tale" typeface="Microsoft Tai Le"/>
-        <a:font script="Talu" typeface="Microsoft New Tai Lue"/>
-        <a:font script="Tfng" typeface="Ebrima"/>
       </a:minorFont>
     </a:fontScheme>
-    <a:fmtScheme name="Office">
+    <a:fmtScheme name="Metropolitan">
       <a:fillStyleLst>
         <a:solidFill>
           <a:schemeClr val="phClr"/>
@@ -4721,76 +5131,73 @@
           <a:gsLst>
             <a:gs pos="0">
               <a:schemeClr val="phClr">
+                <a:tint val="70000"/>
+                <a:satMod val="100000"/>
                 <a:lumMod val="110000"/>
-                <a:satMod val="105000"/>
-                <a:tint val="67000"/>
               </a:schemeClr>
             </a:gs>
             <a:gs pos="50000">
               <a:schemeClr val="phClr">
+                <a:tint val="75000"/>
+                <a:satMod val="101000"/>
                 <a:lumMod val="105000"/>
-                <a:satMod val="103000"/>
-                <a:tint val="73000"/>
               </a:schemeClr>
             </a:gs>
             <a:gs pos="100000">
               <a:schemeClr val="phClr">
+                <a:tint val="82000"/>
+                <a:satMod val="104000"/>
                 <a:lumMod val="105000"/>
-                <a:satMod val="109000"/>
-                <a:tint val="81000"/>
               </a:schemeClr>
             </a:gs>
           </a:gsLst>
-          <a:lin ang="5400000" scaled="0"/>
+          <a:lin ang="2700000" scaled="0"/>
         </a:gradFill>
         <a:gradFill rotWithShape="1">
           <a:gsLst>
             <a:gs pos="0">
               <a:schemeClr val="phClr">
-                <a:satMod val="103000"/>
+                <a:tint val="97000"/>
+                <a:satMod val="100000"/>
                 <a:lumMod val="102000"/>
-                <a:tint val="94000"/>
               </a:schemeClr>
             </a:gs>
             <a:gs pos="50000">
               <a:schemeClr val="phClr">
-                <a:satMod val="110000"/>
+                <a:shade val="100000"/>
+                <a:satMod val="100000"/>
                 <a:lumMod val="100000"/>
-                <a:shade val="100000"/>
               </a:schemeClr>
             </a:gs>
             <a:gs pos="100000">
               <a:schemeClr val="phClr">
+                <a:shade val="80000"/>
+                <a:satMod val="100000"/>
                 <a:lumMod val="99000"/>
-                <a:satMod val="120000"/>
-                <a:shade val="78000"/>
               </a:schemeClr>
             </a:gs>
           </a:gsLst>
-          <a:lin ang="5400000" scaled="0"/>
+          <a:lin ang="2700000" scaled="0"/>
         </a:gradFill>
       </a:fillStyleLst>
       <a:lnStyleLst>
-        <a:ln w="6350" cap="flat" cmpd="sng" algn="ctr">
+        <a:ln w="9525" cap="flat" cmpd="sng" algn="ctr">
           <a:solidFill>
             <a:schemeClr val="phClr"/>
           </a:solidFill>
           <a:prstDash val="solid"/>
-          <a:miter lim="800000"/>
         </a:ln>
         <a:ln w="12700" cap="flat" cmpd="sng" algn="ctr">
           <a:solidFill>
             <a:schemeClr val="phClr"/>
           </a:solidFill>
           <a:prstDash val="solid"/>
-          <a:miter lim="800000"/>
         </a:ln>
         <a:ln w="19050" cap="flat" cmpd="sng" algn="ctr">
           <a:solidFill>
             <a:schemeClr val="phClr"/>
           </a:solidFill>
           <a:prstDash val="solid"/>
-          <a:miter lim="800000"/>
         </a:ln>
       </a:lnStyleLst>
       <a:effectStyleLst>
@@ -4820,33 +5227,12 @@
             <a:satMod val="170000"/>
           </a:schemeClr>
         </a:solidFill>
-        <a:gradFill rotWithShape="1">
-          <a:gsLst>
-            <a:gs pos="0">
-              <a:schemeClr val="phClr">
-                <a:tint val="93000"/>
-                <a:satMod val="150000"/>
-                <a:shade val="98000"/>
-                <a:lumMod val="102000"/>
-              </a:schemeClr>
-            </a:gs>
-            <a:gs pos="50000">
-              <a:schemeClr val="phClr">
-                <a:tint val="98000"/>
-                <a:satMod val="130000"/>
-                <a:shade val="90000"/>
-                <a:lumMod val="103000"/>
-              </a:schemeClr>
-            </a:gs>
-            <a:gs pos="100000">
-              <a:schemeClr val="phClr">
-                <a:shade val="63000"/>
-                <a:satMod val="120000"/>
-              </a:schemeClr>
-            </a:gs>
-          </a:gsLst>
-          <a:lin ang="5400000" scaled="0"/>
-        </a:gradFill>
+        <a:solidFill>
+          <a:schemeClr val="phClr">
+            <a:shade val="95000"/>
+            <a:satMod val="170000"/>
+          </a:schemeClr>
+        </a:solidFill>
       </a:bgFillStyleLst>
     </a:fmtScheme>
   </a:themeElements>
@@ -4854,7 +5240,7 @@
   <a:extraClrSchemeLst/>
   <a:extLst>
     <a:ext uri="{05A4C25C-085E-4340-85A3-A5531E510DB2}">
-      <thm15:themeFamily xmlns:thm15="http://schemas.microsoft.com/office/thememl/2012/main" name="Office Theme" id="{62F939B6-93AF-4DB8-9C6B-D6C7DFDC589F}" vid="{4A3C46E8-61CC-4603-A589-7422A47A8E4A}"/>
+      <thm15:themeFamily xmlns:thm15="http://schemas.microsoft.com/office/thememl/2012/main" name="Metropolitan" id="{4C5440D6-04D2-4954-96CF-F251137069B2}" vid="{79CFCA13-9412-4290-BB4B-85112F88857B}"/>
     </a:ext>
   </a:extLst>
 </a:theme>

--- a/L06_IntroductionToWebMappingWIthLeaflet.pptx
+++ b/L06_IntroductionToWebMappingWIthLeaflet.pptx
@@ -206,7 +206,7 @@
           <a:p>
             <a:fld id="{297FBCE6-BFCD-4A8D-B34A-B609F232E83D}" type="datetimeFigureOut">
               <a:rPr lang="en-IN" smtClean="0"/>
-              <a:t>18-07-2023</a:t>
+              <a:t>19-07-2023</a:t>
             </a:fld>
             <a:endParaRPr lang="en-IN"/>
           </a:p>
@@ -3009,7 +3009,7 @@
           <a:p>
             <a:fld id="{D4CE8C2D-4785-D04E-B999-721DAB33379E}" type="datetimeFigureOut">
               <a:rPr lang="en-US" smtClean="0"/>
-              <a:t>7/18/2023</a:t>
+              <a:t>7/19/2023</a:t>
             </a:fld>
             <a:endParaRPr lang="en-US"/>
           </a:p>
